--- a/vereinswebseite/Präsentation/Präsentation_Vereinswebseite.pptx
+++ b/vereinswebseite/Präsentation/Präsentation_Vereinswebseite.pptx
@@ -110,15 +110,73 @@
       </a:defRPr>
     </a:lvl9pPr>
   </p:defaultTextStyle>
+  <p:extLst>
+    <p:ext uri="{EFAFB233-063F-42B5-8137-9DF3F51BA10A}">
+      <p15:sldGuideLst xmlns:p15="http://schemas.microsoft.com/office/powerpoint/2012/main"/>
+    </p:ext>
+  </p:extLst>
 </p:presentation>
 </file>
 
 <file path=ppt/revisionInfo.xml><?xml version="1.0" encoding="utf-8"?>
 <p1510:revInfo xmlns:a="http://schemas.openxmlformats.org/drawingml/2006/main" xmlns:r="http://schemas.openxmlformats.org/officeDocument/2006/relationships" xmlns:p1510="http://schemas.microsoft.com/office/powerpoint/2015/10/main">
   <p1510:revLst>
-    <p1510:client id="{DBA67EF4-3935-6648-A2C4-E04C42C6613F}" v="22" dt="2018-11-28T09:18:51.022"/>
+    <p1510:client id="{C8A56B3C-F137-6347-81A7-34BE1A206DAF}" v="9" dt="2018-11-30T10:29:01.098"/>
   </p1510:revLst>
 </p1510:revInfo>
+</file>
+
+<file path=ppt/changesInfos/changesInfo1.xml><?xml version="1.0" encoding="utf-8"?>
+<pc:chgInfo xmlns:a="http://schemas.openxmlformats.org/drawingml/2006/main" xmlns:r="http://schemas.openxmlformats.org/officeDocument/2006/relationships" xmlns:ac="http://schemas.microsoft.com/office/drawing/2013/main/command" xmlns:pc="http://schemas.microsoft.com/office/powerpoint/2013/main/command">
+  <pc:docChgLst>
+    <pc:chgData name="Carina Wehr" userId="c2db77f5089eff61" providerId="LiveId" clId="{C8A56B3C-F137-6347-81A7-34BE1A206DAF}"/>
+    <pc:docChg chg="custSel modSld">
+      <pc:chgData name="Carina Wehr" userId="c2db77f5089eff61" providerId="LiveId" clId="{C8A56B3C-F137-6347-81A7-34BE1A206DAF}" dt="2018-11-30T10:29:07.213" v="125" actId="108"/>
+      <pc:docMkLst>
+        <pc:docMk/>
+      </pc:docMkLst>
+      <pc:sldChg chg="addSp modSp">
+        <pc:chgData name="Carina Wehr" userId="c2db77f5089eff61" providerId="LiveId" clId="{C8A56B3C-F137-6347-81A7-34BE1A206DAF}" dt="2018-11-30T10:29:07.213" v="125" actId="108"/>
+        <pc:sldMkLst>
+          <pc:docMk/>
+          <pc:sldMk cId="3127258006" sldId="259"/>
+        </pc:sldMkLst>
+        <pc:spChg chg="mod">
+          <ac:chgData name="Carina Wehr" userId="c2db77f5089eff61" providerId="LiveId" clId="{C8A56B3C-F137-6347-81A7-34BE1A206DAF}" dt="2018-11-30T10:20:08.541" v="48" actId="27636"/>
+          <ac:spMkLst>
+            <pc:docMk/>
+            <pc:sldMk cId="3127258006" sldId="259"/>
+            <ac:spMk id="3" creationId="{5B50643F-A8ED-7A4B-80AB-F5842CE364D2}"/>
+          </ac:spMkLst>
+        </pc:spChg>
+        <pc:spChg chg="mod">
+          <ac:chgData name="Carina Wehr" userId="c2db77f5089eff61" providerId="LiveId" clId="{C8A56B3C-F137-6347-81A7-34BE1A206DAF}" dt="2018-11-30T10:29:07.213" v="125" actId="108"/>
+          <ac:spMkLst>
+            <pc:docMk/>
+            <pc:sldMk cId="3127258006" sldId="259"/>
+            <ac:spMk id="4" creationId="{7928B7F6-F879-8C49-AC2F-5A9B037DB2C3}"/>
+          </ac:spMkLst>
+        </pc:spChg>
+        <pc:spChg chg="mod">
+          <ac:chgData name="Carina Wehr" userId="c2db77f5089eff61" providerId="LiveId" clId="{C8A56B3C-F137-6347-81A7-34BE1A206DAF}" dt="2018-11-30T10:21:37.893" v="90" actId="1076"/>
+          <ac:spMkLst>
+            <pc:docMk/>
+            <pc:sldMk cId="3127258006" sldId="259"/>
+            <ac:spMk id="5" creationId="{E23522E4-E7A6-1447-9A39-6888DA0BF1D2}"/>
+          </ac:spMkLst>
+        </pc:spChg>
+        <pc:spChg chg="add mod">
+          <ac:chgData name="Carina Wehr" userId="c2db77f5089eff61" providerId="LiveId" clId="{C8A56B3C-F137-6347-81A7-34BE1A206DAF}" dt="2018-11-30T10:22:06.728" v="122" actId="20577"/>
+          <ac:spMkLst>
+            <pc:docMk/>
+            <pc:sldMk cId="3127258006" sldId="259"/>
+            <ac:spMk id="6" creationId="{AAD02826-63B9-DA42-B1CB-EAD79CBF4CB6}"/>
+          </ac:spMkLst>
+        </pc:spChg>
+      </pc:sldChg>
+    </pc:docChg>
+  </pc:docChgLst>
+</pc:chgInfo>
 </file>
 
 <file path=ppt/slideLayouts/slideLayout1.xml><?xml version="1.0" encoding="utf-8"?>
@@ -171,7 +229,7 @@
           <a:noFill/>
           <a:extLst>
             <a:ext uri="{909E8E84-426E-40dd-AFC4-6F175D3DCCD1}">
-              <a14:hiddenFill xmlns:a14="http://schemas.microsoft.com/office/drawing/2010/main" xmlns="">
+              <a14:hiddenFill xmlns="" xmlns:a14="http://schemas.microsoft.com/office/drawing/2010/main">
                 <a:solidFill>
                   <a:srgbClr val="FFFFFF"/>
                 </a:solidFill>
@@ -231,7 +289,7 @@
             </a:ln>
             <a:extLst>
               <a:ext uri="{91240B29-F687-4f45-9708-019B960494DF}">
-                <a14:hiddenLine xmlns:a14="http://schemas.microsoft.com/office/drawing/2010/main" xmlns="" w="9525">
+                <a14:hiddenLine xmlns="" xmlns:a14="http://schemas.microsoft.com/office/drawing/2010/main" w="9525">
                   <a:solidFill>
                     <a:srgbClr val="000000"/>
                   </a:solidFill>
@@ -321,7 +379,7 @@
             </a:ln>
             <a:extLst>
               <a:ext uri="{91240B29-F687-4f45-9708-019B960494DF}">
-                <a14:hiddenLine xmlns:a14="http://schemas.microsoft.com/office/drawing/2010/main" xmlns="" w="9525">
+                <a14:hiddenLine xmlns="" xmlns:a14="http://schemas.microsoft.com/office/drawing/2010/main" w="9525">
                   <a:solidFill>
                     <a:srgbClr val="000000"/>
                   </a:solidFill>
@@ -411,7 +469,7 @@
             </a:ln>
             <a:extLst>
               <a:ext uri="{91240B29-F687-4f45-9708-019B960494DF}">
-                <a14:hiddenLine xmlns:a14="http://schemas.microsoft.com/office/drawing/2010/main" xmlns="" w="9525">
+                <a14:hiddenLine xmlns="" xmlns:a14="http://schemas.microsoft.com/office/drawing/2010/main" w="9525">
                   <a:solidFill>
                     <a:srgbClr val="000000"/>
                   </a:solidFill>
@@ -445,7 +503,7 @@
             </a:ln>
             <a:extLst>
               <a:ext uri="{91240B29-F687-4f45-9708-019B960494DF}">
-                <a14:hiddenLine xmlns:a14="http://schemas.microsoft.com/office/drawing/2010/main" xmlns="" w="9525">
+                <a14:hiddenLine xmlns="" xmlns:a14="http://schemas.microsoft.com/office/drawing/2010/main" w="9525">
                   <a:solidFill>
                     <a:srgbClr val="000000"/>
                   </a:solidFill>
@@ -535,7 +593,7 @@
             </a:ln>
             <a:extLst>
               <a:ext uri="{91240B29-F687-4f45-9708-019B960494DF}">
-                <a14:hiddenLine xmlns:a14="http://schemas.microsoft.com/office/drawing/2010/main" xmlns="" w="9525">
+                <a14:hiddenLine xmlns="" xmlns:a14="http://schemas.microsoft.com/office/drawing/2010/main" w="9525">
                   <a:solidFill>
                     <a:srgbClr val="000000"/>
                   </a:solidFill>
@@ -597,7 +655,7 @@
             </a:ln>
             <a:extLst>
               <a:ext uri="{91240B29-F687-4f45-9708-019B960494DF}">
-                <a14:hiddenLine xmlns:a14="http://schemas.microsoft.com/office/drawing/2010/main" xmlns="" w="9525">
+                <a14:hiddenLine xmlns="" xmlns:a14="http://schemas.microsoft.com/office/drawing/2010/main" w="9525">
                   <a:solidFill>
                     <a:srgbClr val="000000"/>
                   </a:solidFill>
@@ -659,7 +717,7 @@
             </a:ln>
             <a:extLst>
               <a:ext uri="{91240B29-F687-4f45-9708-019B960494DF}">
-                <a14:hiddenLine xmlns:a14="http://schemas.microsoft.com/office/drawing/2010/main" xmlns="" w="9525">
+                <a14:hiddenLine xmlns="" xmlns:a14="http://schemas.microsoft.com/office/drawing/2010/main" w="9525">
                   <a:solidFill>
                     <a:srgbClr val="000000"/>
                   </a:solidFill>
@@ -749,7 +807,7 @@
             </a:ln>
             <a:extLst>
               <a:ext uri="{91240B29-F687-4f45-9708-019B960494DF}">
-                <a14:hiddenLine xmlns:a14="http://schemas.microsoft.com/office/drawing/2010/main" xmlns="" w="9525">
+                <a14:hiddenLine xmlns="" xmlns:a14="http://schemas.microsoft.com/office/drawing/2010/main" w="9525">
                   <a:solidFill>
                     <a:srgbClr val="000000"/>
                   </a:solidFill>
@@ -811,7 +869,7 @@
             </a:ln>
             <a:extLst>
               <a:ext uri="{91240B29-F687-4f45-9708-019B960494DF}">
-                <a14:hiddenLine xmlns:a14="http://schemas.microsoft.com/office/drawing/2010/main" xmlns="" w="9525">
+                <a14:hiddenLine xmlns="" xmlns:a14="http://schemas.microsoft.com/office/drawing/2010/main" w="9525">
                   <a:solidFill>
                     <a:srgbClr val="000000"/>
                   </a:solidFill>
@@ -873,7 +931,7 @@
             </a:ln>
             <a:extLst>
               <a:ext uri="{91240B29-F687-4f45-9708-019B960494DF}">
-                <a14:hiddenLine xmlns:a14="http://schemas.microsoft.com/office/drawing/2010/main" xmlns="" w="9525">
+                <a14:hiddenLine xmlns="" xmlns:a14="http://schemas.microsoft.com/office/drawing/2010/main" w="9525">
                   <a:solidFill>
                     <a:srgbClr val="000000"/>
                   </a:solidFill>
@@ -963,7 +1021,7 @@
             </a:ln>
             <a:extLst>
               <a:ext uri="{91240B29-F687-4f45-9708-019B960494DF}">
-                <a14:hiddenLine xmlns:a14="http://schemas.microsoft.com/office/drawing/2010/main" xmlns="" w="9525">
+                <a14:hiddenLine xmlns="" xmlns:a14="http://schemas.microsoft.com/office/drawing/2010/main" w="9525">
                   <a:solidFill>
                     <a:srgbClr val="000000"/>
                   </a:solidFill>
@@ -1053,7 +1111,7 @@
             </a:ln>
             <a:extLst>
               <a:ext uri="{91240B29-F687-4f45-9708-019B960494DF}">
-                <a14:hiddenLine xmlns:a14="http://schemas.microsoft.com/office/drawing/2010/main" xmlns="" w="9525">
+                <a14:hiddenLine xmlns="" xmlns:a14="http://schemas.microsoft.com/office/drawing/2010/main" w="9525">
                   <a:solidFill>
                     <a:srgbClr val="000000"/>
                   </a:solidFill>
@@ -1115,7 +1173,7 @@
             </a:ln>
             <a:extLst>
               <a:ext uri="{91240B29-F687-4f45-9708-019B960494DF}">
-                <a14:hiddenLine xmlns:a14="http://schemas.microsoft.com/office/drawing/2010/main" xmlns="" w="9525">
+                <a14:hiddenLine xmlns="" xmlns:a14="http://schemas.microsoft.com/office/drawing/2010/main" w="9525">
                   <a:solidFill>
                     <a:srgbClr val="000000"/>
                   </a:solidFill>
@@ -1225,7 +1283,7 @@
             </a:ln>
             <a:extLst>
               <a:ext uri="{91240B29-F687-4f45-9708-019B960494DF}">
-                <a14:hiddenLine xmlns:a14="http://schemas.microsoft.com/office/drawing/2010/main" xmlns="" w="9525">
+                <a14:hiddenLine xmlns="" xmlns:a14="http://schemas.microsoft.com/office/drawing/2010/main" w="9525">
                   <a:solidFill>
                     <a:srgbClr val="000000"/>
                   </a:solidFill>
@@ -1287,7 +1345,7 @@
             </a:ln>
             <a:extLst>
               <a:ext uri="{91240B29-F687-4f45-9708-019B960494DF}">
-                <a14:hiddenLine xmlns:a14="http://schemas.microsoft.com/office/drawing/2010/main" xmlns="" w="9525">
+                <a14:hiddenLine xmlns="" xmlns:a14="http://schemas.microsoft.com/office/drawing/2010/main" w="9525">
                   <a:solidFill>
                     <a:srgbClr val="000000"/>
                   </a:solidFill>
@@ -1377,7 +1435,7 @@
             </a:ln>
             <a:extLst>
               <a:ext uri="{91240B29-F687-4f45-9708-019B960494DF}">
-                <a14:hiddenLine xmlns:a14="http://schemas.microsoft.com/office/drawing/2010/main" xmlns="" w="9525">
+                <a14:hiddenLine xmlns="" xmlns:a14="http://schemas.microsoft.com/office/drawing/2010/main" w="9525">
                   <a:solidFill>
                     <a:srgbClr val="000000"/>
                   </a:solidFill>
@@ -1467,7 +1525,7 @@
             </a:ln>
             <a:extLst>
               <a:ext uri="{91240B29-F687-4f45-9708-019B960494DF}">
-                <a14:hiddenLine xmlns:a14="http://schemas.microsoft.com/office/drawing/2010/main" xmlns="" w="9525">
+                <a14:hiddenLine xmlns="" xmlns:a14="http://schemas.microsoft.com/office/drawing/2010/main" w="9525">
                   <a:solidFill>
                     <a:srgbClr val="000000"/>
                   </a:solidFill>
@@ -1529,7 +1587,7 @@
             </a:ln>
             <a:extLst>
               <a:ext uri="{91240B29-F687-4f45-9708-019B960494DF}">
-                <a14:hiddenLine xmlns:a14="http://schemas.microsoft.com/office/drawing/2010/main" xmlns="" w="9525">
+                <a14:hiddenLine xmlns="" xmlns:a14="http://schemas.microsoft.com/office/drawing/2010/main" w="9525">
                   <a:solidFill>
                     <a:srgbClr val="000000"/>
                   </a:solidFill>
@@ -1619,7 +1677,7 @@
             </a:ln>
             <a:extLst>
               <a:ext uri="{91240B29-F687-4f45-9708-019B960494DF}">
-                <a14:hiddenLine xmlns:a14="http://schemas.microsoft.com/office/drawing/2010/main" xmlns="" w="9525">
+                <a14:hiddenLine xmlns="" xmlns:a14="http://schemas.microsoft.com/office/drawing/2010/main" w="9525">
                   <a:solidFill>
                     <a:srgbClr val="000000"/>
                   </a:solidFill>
@@ -1709,7 +1767,7 @@
             </a:ln>
             <a:extLst>
               <a:ext uri="{91240B29-F687-4f45-9708-019B960494DF}">
-                <a14:hiddenLine xmlns:a14="http://schemas.microsoft.com/office/drawing/2010/main" xmlns="" w="9525">
+                <a14:hiddenLine xmlns="" xmlns:a14="http://schemas.microsoft.com/office/drawing/2010/main" w="9525">
                   <a:solidFill>
                     <a:srgbClr val="000000"/>
                   </a:solidFill>
@@ -1765,7 +1823,7 @@
             </a:ln>
             <a:extLst>
               <a:ext uri="{91240B29-F687-4f45-9708-019B960494DF}">
-                <a14:hiddenLine xmlns:a14="http://schemas.microsoft.com/office/drawing/2010/main" xmlns="" w="9525">
+                <a14:hiddenLine xmlns="" xmlns:a14="http://schemas.microsoft.com/office/drawing/2010/main" w="9525">
                   <a:solidFill>
                     <a:srgbClr val="000000"/>
                   </a:solidFill>
@@ -1855,7 +1913,7 @@
             </a:ln>
             <a:extLst>
               <a:ext uri="{91240B29-F687-4f45-9708-019B960494DF}">
-                <a14:hiddenLine xmlns:a14="http://schemas.microsoft.com/office/drawing/2010/main" xmlns="" w="9525">
+                <a14:hiddenLine xmlns="" xmlns:a14="http://schemas.microsoft.com/office/drawing/2010/main" w="9525">
                   <a:solidFill>
                     <a:srgbClr val="000000"/>
                   </a:solidFill>
@@ -1911,7 +1969,7 @@
             </a:ln>
             <a:extLst>
               <a:ext uri="{91240B29-F687-4f45-9708-019B960494DF}">
-                <a14:hiddenLine xmlns:a14="http://schemas.microsoft.com/office/drawing/2010/main" xmlns="" w="9525">
+                <a14:hiddenLine xmlns="" xmlns:a14="http://schemas.microsoft.com/office/drawing/2010/main" w="9525">
                   <a:solidFill>
                     <a:srgbClr val="000000"/>
                   </a:solidFill>
@@ -2001,7 +2059,7 @@
             </a:ln>
             <a:extLst>
               <a:ext uri="{91240B29-F687-4f45-9708-019B960494DF}">
-                <a14:hiddenLine xmlns:a14="http://schemas.microsoft.com/office/drawing/2010/main" xmlns="" w="9525">
+                <a14:hiddenLine xmlns="" xmlns:a14="http://schemas.microsoft.com/office/drawing/2010/main" w="9525">
                   <a:solidFill>
                     <a:srgbClr val="000000"/>
                   </a:solidFill>
@@ -2069,7 +2127,7 @@
             </a:ln>
             <a:extLst>
               <a:ext uri="{91240B29-F687-4f45-9708-019B960494DF}">
-                <a14:hiddenLine xmlns:a14="http://schemas.microsoft.com/office/drawing/2010/main" xmlns="" w="9525">
+                <a14:hiddenLine xmlns="" xmlns:a14="http://schemas.microsoft.com/office/drawing/2010/main" w="9525">
                   <a:solidFill>
                     <a:srgbClr val="000000"/>
                   </a:solidFill>
@@ -2159,7 +2217,7 @@
             </a:ln>
             <a:extLst>
               <a:ext uri="{91240B29-F687-4f45-9708-019B960494DF}">
-                <a14:hiddenLine xmlns:a14="http://schemas.microsoft.com/office/drawing/2010/main" xmlns="" w="9525">
+                <a14:hiddenLine xmlns="" xmlns:a14="http://schemas.microsoft.com/office/drawing/2010/main" w="9525">
                   <a:solidFill>
                     <a:srgbClr val="000000"/>
                   </a:solidFill>
@@ -2227,7 +2285,7 @@
             </a:ln>
             <a:extLst>
               <a:ext uri="{91240B29-F687-4f45-9708-019B960494DF}">
-                <a14:hiddenLine xmlns:a14="http://schemas.microsoft.com/office/drawing/2010/main" xmlns="" w="9525">
+                <a14:hiddenLine xmlns="" xmlns:a14="http://schemas.microsoft.com/office/drawing/2010/main" w="9525">
                   <a:solidFill>
                     <a:srgbClr val="000000"/>
                   </a:solidFill>
@@ -2317,7 +2375,7 @@
             </a:ln>
             <a:extLst>
               <a:ext uri="{91240B29-F687-4f45-9708-019B960494DF}">
-                <a14:hiddenLine xmlns:a14="http://schemas.microsoft.com/office/drawing/2010/main" xmlns="" w="9525">
+                <a14:hiddenLine xmlns="" xmlns:a14="http://schemas.microsoft.com/office/drawing/2010/main" w="9525">
                   <a:solidFill>
                     <a:srgbClr val="000000"/>
                   </a:solidFill>
@@ -2351,7 +2409,7 @@
             </a:ln>
             <a:extLst>
               <a:ext uri="{91240B29-F687-4f45-9708-019B960494DF}">
-                <a14:hiddenLine xmlns:a14="http://schemas.microsoft.com/office/drawing/2010/main" xmlns="" w="9525">
+                <a14:hiddenLine xmlns="" xmlns:a14="http://schemas.microsoft.com/office/drawing/2010/main" w="9525">
                   <a:solidFill>
                     <a:srgbClr val="000000"/>
                   </a:solidFill>
@@ -2441,7 +2499,7 @@
             </a:ln>
             <a:extLst>
               <a:ext uri="{91240B29-F687-4f45-9708-019B960494DF}">
-                <a14:hiddenLine xmlns:a14="http://schemas.microsoft.com/office/drawing/2010/main" xmlns="" w="9525">
+                <a14:hiddenLine xmlns="" xmlns:a14="http://schemas.microsoft.com/office/drawing/2010/main" w="9525">
                   <a:solidFill>
                     <a:srgbClr val="000000"/>
                   </a:solidFill>
@@ -2503,7 +2561,7 @@
             </a:ln>
             <a:extLst>
               <a:ext uri="{91240B29-F687-4f45-9708-019B960494DF}">
-                <a14:hiddenLine xmlns:a14="http://schemas.microsoft.com/office/drawing/2010/main" xmlns="" w="9525">
+                <a14:hiddenLine xmlns="" xmlns:a14="http://schemas.microsoft.com/office/drawing/2010/main" w="9525">
                   <a:solidFill>
                     <a:srgbClr val="000000"/>
                   </a:solidFill>
@@ -2565,7 +2623,7 @@
             </a:ln>
             <a:extLst>
               <a:ext uri="{91240B29-F687-4f45-9708-019B960494DF}">
-                <a14:hiddenLine xmlns:a14="http://schemas.microsoft.com/office/drawing/2010/main" xmlns="" w="9525">
+                <a14:hiddenLine xmlns="" xmlns:a14="http://schemas.microsoft.com/office/drawing/2010/main" w="9525">
                   <a:solidFill>
                     <a:srgbClr val="000000"/>
                   </a:solidFill>
@@ -2655,7 +2713,7 @@
             </a:ln>
             <a:extLst>
               <a:ext uri="{91240B29-F687-4f45-9708-019B960494DF}">
-                <a14:hiddenLine xmlns:a14="http://schemas.microsoft.com/office/drawing/2010/main" xmlns="" w="9525">
+                <a14:hiddenLine xmlns="" xmlns:a14="http://schemas.microsoft.com/office/drawing/2010/main" w="9525">
                   <a:solidFill>
                     <a:srgbClr val="000000"/>
                   </a:solidFill>
@@ -2723,7 +2781,7 @@
             </a:ln>
             <a:extLst>
               <a:ext uri="{91240B29-F687-4f45-9708-019B960494DF}">
-                <a14:hiddenLine xmlns:a14="http://schemas.microsoft.com/office/drawing/2010/main" xmlns="" w="9525">
+                <a14:hiddenLine xmlns="" xmlns:a14="http://schemas.microsoft.com/office/drawing/2010/main" w="9525">
                   <a:solidFill>
                     <a:srgbClr val="000000"/>
                   </a:solidFill>
@@ -2785,7 +2843,7 @@
             </a:ln>
             <a:extLst>
               <a:ext uri="{91240B29-F687-4f45-9708-019B960494DF}">
-                <a14:hiddenLine xmlns:a14="http://schemas.microsoft.com/office/drawing/2010/main" xmlns="" w="9525">
+                <a14:hiddenLine xmlns="" xmlns:a14="http://schemas.microsoft.com/office/drawing/2010/main" w="9525">
                   <a:solidFill>
                     <a:srgbClr val="000000"/>
                   </a:solidFill>
@@ -2875,7 +2933,7 @@
             </a:ln>
             <a:extLst>
               <a:ext uri="{91240B29-F687-4f45-9708-019B960494DF}">
-                <a14:hiddenLine xmlns:a14="http://schemas.microsoft.com/office/drawing/2010/main" xmlns="" w="9525">
+                <a14:hiddenLine xmlns="" xmlns:a14="http://schemas.microsoft.com/office/drawing/2010/main" w="9525">
                   <a:solidFill>
                     <a:srgbClr val="000000"/>
                   </a:solidFill>
@@ -2937,7 +2995,7 @@
             </a:ln>
             <a:extLst>
               <a:ext uri="{91240B29-F687-4f45-9708-019B960494DF}">
-                <a14:hiddenLine xmlns:a14="http://schemas.microsoft.com/office/drawing/2010/main" xmlns="" w="9525">
+                <a14:hiddenLine xmlns="" xmlns:a14="http://schemas.microsoft.com/office/drawing/2010/main" w="9525">
                   <a:solidFill>
                     <a:srgbClr val="000000"/>
                   </a:solidFill>
@@ -3027,7 +3085,7 @@
             </a:ln>
             <a:extLst>
               <a:ext uri="{91240B29-F687-4f45-9708-019B960494DF}">
-                <a14:hiddenLine xmlns:a14="http://schemas.microsoft.com/office/drawing/2010/main" xmlns="" w="9525">
+                <a14:hiddenLine xmlns="" xmlns:a14="http://schemas.microsoft.com/office/drawing/2010/main" w="9525">
                   <a:solidFill>
                     <a:srgbClr val="000000"/>
                   </a:solidFill>
@@ -3089,7 +3147,7 @@
             </a:ln>
             <a:extLst>
               <a:ext uri="{91240B29-F687-4f45-9708-019B960494DF}">
-                <a14:hiddenLine xmlns:a14="http://schemas.microsoft.com/office/drawing/2010/main" xmlns="" w="9525">
+                <a14:hiddenLine xmlns="" xmlns:a14="http://schemas.microsoft.com/office/drawing/2010/main" w="9525">
                   <a:solidFill>
                     <a:srgbClr val="000000"/>
                   </a:solidFill>
@@ -3179,7 +3237,7 @@
             </a:ln>
             <a:extLst>
               <a:ext uri="{91240B29-F687-4f45-9708-019B960494DF}">
-                <a14:hiddenLine xmlns:a14="http://schemas.microsoft.com/office/drawing/2010/main" xmlns="" w="9525">
+                <a14:hiddenLine xmlns="" xmlns:a14="http://schemas.microsoft.com/office/drawing/2010/main" w="9525">
                   <a:solidFill>
                     <a:srgbClr val="000000"/>
                   </a:solidFill>
@@ -3213,7 +3271,7 @@
             </a:ln>
             <a:extLst>
               <a:ext uri="{91240B29-F687-4f45-9708-019B960494DF}">
-                <a14:hiddenLine xmlns:a14="http://schemas.microsoft.com/office/drawing/2010/main" xmlns="" w="9525">
+                <a14:hiddenLine xmlns="" xmlns:a14="http://schemas.microsoft.com/office/drawing/2010/main" w="9525">
                   <a:solidFill>
                     <a:srgbClr val="000000"/>
                   </a:solidFill>
@@ -3278,7 +3336,7 @@
             </a:ln>
             <a:extLst>
               <a:ext uri="{91240B29-F687-4f45-9708-019B960494DF}">
-                <a14:hiddenLine xmlns:a14="http://schemas.microsoft.com/office/drawing/2010/main" xmlns="" w="9525">
+                <a14:hiddenLine xmlns="" xmlns:a14="http://schemas.microsoft.com/office/drawing/2010/main" w="9525">
                   <a:solidFill>
                     <a:srgbClr val="000000"/>
                   </a:solidFill>
@@ -3368,7 +3426,7 @@
             </a:ln>
             <a:extLst>
               <a:ext uri="{91240B29-F687-4f45-9708-019B960494DF}">
-                <a14:hiddenLine xmlns:a14="http://schemas.microsoft.com/office/drawing/2010/main" xmlns="" w="9525">
+                <a14:hiddenLine xmlns="" xmlns:a14="http://schemas.microsoft.com/office/drawing/2010/main" w="9525">
                   <a:solidFill>
                     <a:srgbClr val="000000"/>
                   </a:solidFill>
@@ -3430,7 +3488,7 @@
             </a:ln>
             <a:extLst>
               <a:ext uri="{91240B29-F687-4f45-9708-019B960494DF}">
-                <a14:hiddenLine xmlns:a14="http://schemas.microsoft.com/office/drawing/2010/main" xmlns="" w="9525">
+                <a14:hiddenLine xmlns="" xmlns:a14="http://schemas.microsoft.com/office/drawing/2010/main" w="9525">
                   <a:solidFill>
                     <a:srgbClr val="000000"/>
                   </a:solidFill>
@@ -3520,7 +3578,7 @@
             </a:ln>
             <a:extLst>
               <a:ext uri="{91240B29-F687-4f45-9708-019B960494DF}">
-                <a14:hiddenLine xmlns:a14="http://schemas.microsoft.com/office/drawing/2010/main" xmlns="" w="9525">
+                <a14:hiddenLine xmlns="" xmlns:a14="http://schemas.microsoft.com/office/drawing/2010/main" w="9525">
                   <a:solidFill>
                     <a:srgbClr val="000000"/>
                   </a:solidFill>
@@ -3610,7 +3668,7 @@
             </a:ln>
             <a:extLst>
               <a:ext uri="{91240B29-F687-4f45-9708-019B960494DF}">
-                <a14:hiddenLine xmlns:a14="http://schemas.microsoft.com/office/drawing/2010/main" xmlns="" w="9525">
+                <a14:hiddenLine xmlns="" xmlns:a14="http://schemas.microsoft.com/office/drawing/2010/main" w="9525">
                   <a:solidFill>
                     <a:srgbClr val="000000"/>
                   </a:solidFill>
@@ -3675,7 +3733,7 @@
             </a:ln>
             <a:extLst>
               <a:ext uri="{91240B29-F687-4f45-9708-019B960494DF}">
-                <a14:hiddenLine xmlns:a14="http://schemas.microsoft.com/office/drawing/2010/main" xmlns="" w="9525">
+                <a14:hiddenLine xmlns="" xmlns:a14="http://schemas.microsoft.com/office/drawing/2010/main" w="9525">
                   <a:solidFill>
                     <a:srgbClr val="000000"/>
                   </a:solidFill>
@@ -3737,7 +3795,7 @@
             </a:ln>
             <a:extLst>
               <a:ext uri="{91240B29-F687-4f45-9708-019B960494DF}">
-                <a14:hiddenLine xmlns:a14="http://schemas.microsoft.com/office/drawing/2010/main" xmlns="" w="9525">
+                <a14:hiddenLine xmlns="" xmlns:a14="http://schemas.microsoft.com/office/drawing/2010/main" w="9525">
                   <a:solidFill>
                     <a:srgbClr val="000000"/>
                   </a:solidFill>
@@ -3827,7 +3885,7 @@
             </a:ln>
             <a:extLst>
               <a:ext uri="{91240B29-F687-4f45-9708-019B960494DF}">
-                <a14:hiddenLine xmlns:a14="http://schemas.microsoft.com/office/drawing/2010/main" xmlns="" w="9525">
+                <a14:hiddenLine xmlns="" xmlns:a14="http://schemas.microsoft.com/office/drawing/2010/main" w="9525">
                   <a:solidFill>
                     <a:srgbClr val="000000"/>
                   </a:solidFill>
@@ -3917,7 +3975,7 @@
             </a:ln>
             <a:extLst>
               <a:ext uri="{91240B29-F687-4f45-9708-019B960494DF}">
-                <a14:hiddenLine xmlns:a14="http://schemas.microsoft.com/office/drawing/2010/main" xmlns="" w="9525">
+                <a14:hiddenLine xmlns="" xmlns:a14="http://schemas.microsoft.com/office/drawing/2010/main" w="9525">
                   <a:solidFill>
                     <a:srgbClr val="000000"/>
                   </a:solidFill>
@@ -3979,7 +4037,7 @@
             </a:ln>
             <a:extLst>
               <a:ext uri="{91240B29-F687-4f45-9708-019B960494DF}">
-                <a14:hiddenLine xmlns:a14="http://schemas.microsoft.com/office/drawing/2010/main" xmlns="" w="9525">
+                <a14:hiddenLine xmlns="" xmlns:a14="http://schemas.microsoft.com/office/drawing/2010/main" w="9525">
                   <a:solidFill>
                     <a:srgbClr val="000000"/>
                   </a:solidFill>
@@ -4099,7 +4157,7 @@
             </a:ln>
             <a:extLst>
               <a:ext uri="{91240B29-F687-4f45-9708-019B960494DF}">
-                <a14:hiddenLine xmlns:a14="http://schemas.microsoft.com/office/drawing/2010/main" xmlns="" w="9525">
+                <a14:hiddenLine xmlns="" xmlns:a14="http://schemas.microsoft.com/office/drawing/2010/main" w="9525">
                   <a:solidFill>
                     <a:srgbClr val="000000"/>
                   </a:solidFill>
@@ -4167,7 +4225,7 @@
             </a:ln>
             <a:extLst>
               <a:ext uri="{91240B29-F687-4f45-9708-019B960494DF}">
-                <a14:hiddenLine xmlns:a14="http://schemas.microsoft.com/office/drawing/2010/main" xmlns="" w="9525">
+                <a14:hiddenLine xmlns="" xmlns:a14="http://schemas.microsoft.com/office/drawing/2010/main" w="9525">
                   <a:solidFill>
                     <a:srgbClr val="000000"/>
                   </a:solidFill>
@@ -4257,7 +4315,7 @@
             </a:ln>
             <a:extLst>
               <a:ext uri="{91240B29-F687-4f45-9708-019B960494DF}">
-                <a14:hiddenLine xmlns:a14="http://schemas.microsoft.com/office/drawing/2010/main" xmlns="" w="9525">
+                <a14:hiddenLine xmlns="" xmlns:a14="http://schemas.microsoft.com/office/drawing/2010/main" w="9525">
                   <a:solidFill>
                     <a:srgbClr val="000000"/>
                   </a:solidFill>
@@ -4397,7 +4455,7 @@
           <a:p>
             <a:fld id="{48A87A34-81AB-432B-8DAE-1953F412C126}" type="datetimeFigureOut">
               <a:rPr lang="en-US" dirty="0"/>
-              <a:t>11/28/18</a:t>
+              <a:t>11/30/18</a:t>
             </a:fld>
             <a:endParaRPr lang="en-US" dirty="0"/>
           </a:p>
@@ -4664,7 +4722,7 @@
           <a:p>
             <a:fld id="{48A87A34-81AB-432B-8DAE-1953F412C126}" type="datetimeFigureOut">
               <a:rPr lang="en-US" dirty="0"/>
-              <a:t>11/28/18</a:t>
+              <a:t>11/30/18</a:t>
             </a:fld>
             <a:endParaRPr lang="en-US" dirty="0"/>
           </a:p>
@@ -4860,7 +4918,7 @@
           <a:p>
             <a:fld id="{48A87A34-81AB-432B-8DAE-1953F412C126}" type="datetimeFigureOut">
               <a:rPr lang="en-US" dirty="0"/>
-              <a:t>11/28/18</a:t>
+              <a:t>11/30/18</a:t>
             </a:fld>
             <a:endParaRPr lang="en-US" dirty="0"/>
           </a:p>
@@ -5128,7 +5186,7 @@
           <a:p>
             <a:fld id="{48A87A34-81AB-432B-8DAE-1953F412C126}" type="datetimeFigureOut">
               <a:rPr lang="en-US" dirty="0"/>
-              <a:t>11/28/18</a:t>
+              <a:t>11/30/18</a:t>
             </a:fld>
             <a:endParaRPr lang="en-US" dirty="0"/>
           </a:p>
@@ -5562,7 +5620,7 @@
           <a:p>
             <a:fld id="{48A87A34-81AB-432B-8DAE-1953F412C126}" type="datetimeFigureOut">
               <a:rPr lang="en-US" dirty="0"/>
-              <a:t>11/28/18</a:t>
+              <a:t>11/30/18</a:t>
             </a:fld>
             <a:endParaRPr lang="en-US" dirty="0"/>
           </a:p>
@@ -6133,7 +6191,7 @@
           <a:p>
             <a:fld id="{48A87A34-81AB-432B-8DAE-1953F412C126}" type="datetimeFigureOut">
               <a:rPr lang="en-US" dirty="0"/>
-              <a:t>11/28/18</a:t>
+              <a:t>11/30/18</a:t>
             </a:fld>
             <a:endParaRPr lang="en-US" dirty="0"/>
           </a:p>
@@ -6878,7 +6936,7 @@
           <a:p>
             <a:fld id="{48A87A34-81AB-432B-8DAE-1953F412C126}" type="datetimeFigureOut">
               <a:rPr lang="en-US" dirty="0"/>
-              <a:t>11/28/18</a:t>
+              <a:t>11/30/18</a:t>
             </a:fld>
             <a:endParaRPr lang="en-US" dirty="0"/>
           </a:p>
@@ -7019,7 +7077,7 @@
           <a:p>
             <a:fld id="{48A87A34-81AB-432B-8DAE-1953F412C126}" type="datetimeFigureOut">
               <a:rPr lang="en-US" dirty="0"/>
-              <a:t>11/28/18</a:t>
+              <a:t>11/30/18</a:t>
             </a:fld>
             <a:endParaRPr lang="en-US" dirty="0"/>
           </a:p>
@@ -7170,7 +7228,7 @@
           <a:p>
             <a:fld id="{48A87A34-81AB-432B-8DAE-1953F412C126}" type="datetimeFigureOut">
               <a:rPr lang="en-US" dirty="0"/>
-              <a:t>11/28/18</a:t>
+              <a:t>11/30/18</a:t>
             </a:fld>
             <a:endParaRPr lang="en-US" dirty="0"/>
           </a:p>
@@ -7311,7 +7369,7 @@
           <a:p>
             <a:fld id="{48A87A34-81AB-432B-8DAE-1953F412C126}" type="datetimeFigureOut">
               <a:rPr lang="en-US" dirty="0"/>
-              <a:t>11/28/18</a:t>
+              <a:t>11/30/18</a:t>
             </a:fld>
             <a:endParaRPr lang="en-US" dirty="0"/>
           </a:p>
@@ -7561,7 +7619,7 @@
           <a:p>
             <a:fld id="{48A87A34-81AB-432B-8DAE-1953F412C126}" type="datetimeFigureOut">
               <a:rPr lang="en-US" dirty="0"/>
-              <a:t>11/28/18</a:t>
+              <a:t>11/30/18</a:t>
             </a:fld>
             <a:endParaRPr lang="en-US" dirty="0"/>
           </a:p>
@@ -7740,7 +7798,7 @@
           <a:p>
             <a:fld id="{48A87A34-81AB-432B-8DAE-1953F412C126}" type="datetimeFigureOut">
               <a:rPr lang="en-US" dirty="0"/>
-              <a:t>11/28/18</a:t>
+              <a:t>11/30/18</a:t>
             </a:fld>
             <a:endParaRPr lang="en-US" dirty="0"/>
           </a:p>
@@ -8078,7 +8136,7 @@
           <a:p>
             <a:fld id="{48A87A34-81AB-432B-8DAE-1953F412C126}" type="datetimeFigureOut">
               <a:rPr lang="en-US" dirty="0"/>
-              <a:t>11/28/18</a:t>
+              <a:t>11/30/18</a:t>
             </a:fld>
             <a:endParaRPr lang="en-US" dirty="0"/>
           </a:p>
@@ -8191,7 +8249,7 @@
           <a:p>
             <a:fld id="{48A87A34-81AB-432B-8DAE-1953F412C126}" type="datetimeFigureOut">
               <a:rPr lang="en-US" dirty="0"/>
-              <a:t>11/28/18</a:t>
+              <a:t>11/30/18</a:t>
             </a:fld>
             <a:endParaRPr lang="en-US" dirty="0"/>
           </a:p>
@@ -8281,7 +8339,7 @@
           <a:p>
             <a:fld id="{48A87A34-81AB-432B-8DAE-1953F412C126}" type="datetimeFigureOut">
               <a:rPr lang="en-US" dirty="0"/>
-              <a:t>11/28/18</a:t>
+              <a:t>11/30/18</a:t>
             </a:fld>
             <a:endParaRPr lang="en-US" dirty="0"/>
           </a:p>
@@ -8506,7 +8564,7 @@
           <a:p>
             <a:fld id="{48A87A34-81AB-432B-8DAE-1953F412C126}" type="datetimeFigureOut">
               <a:rPr lang="en-US" dirty="0"/>
-              <a:t>11/28/18</a:t>
+              <a:t>11/30/18</a:t>
             </a:fld>
             <a:endParaRPr lang="en-US" dirty="0"/>
           </a:p>
@@ -8786,7 +8844,7 @@
           <a:p>
             <a:fld id="{48A87A34-81AB-432B-8DAE-1953F412C126}" type="datetimeFigureOut">
               <a:rPr lang="en-US" dirty="0"/>
-              <a:t>11/28/18</a:t>
+              <a:t>11/30/18</a:t>
             </a:fld>
             <a:endParaRPr lang="en-US" dirty="0"/>
           </a:p>
@@ -8897,7 +8955,7 @@
           <a:noFill/>
           <a:extLst>
             <a:ext uri="{909E8E84-426E-40dd-AFC4-6F175D3DCCD1}">
-              <a14:hiddenFill xmlns:a14="http://schemas.microsoft.com/office/drawing/2010/main" xmlns="">
+              <a14:hiddenFill xmlns="" xmlns:a14="http://schemas.microsoft.com/office/drawing/2010/main">
                 <a:solidFill>
                   <a:srgbClr val="FFFFFF"/>
                 </a:solidFill>
@@ -8971,7 +9029,7 @@
               </a:ln>
               <a:extLst>
                 <a:ext uri="{91240B29-F687-4f45-9708-019B960494DF}">
-                  <a14:hiddenLine xmlns:a14="http://schemas.microsoft.com/office/drawing/2010/main" xmlns="" w="9525">
+                  <a14:hiddenLine xmlns="" xmlns:a14="http://schemas.microsoft.com/office/drawing/2010/main" w="9525">
                     <a:solidFill>
                       <a:srgbClr val="000000"/>
                     </a:solidFill>
@@ -9061,7 +9119,7 @@
               </a:ln>
               <a:extLst>
                 <a:ext uri="{91240B29-F687-4f45-9708-019B960494DF}">
-                  <a14:hiddenLine xmlns:a14="http://schemas.microsoft.com/office/drawing/2010/main" xmlns="" w="9525">
+                  <a14:hiddenLine xmlns="" xmlns:a14="http://schemas.microsoft.com/office/drawing/2010/main" w="9525">
                     <a:solidFill>
                       <a:srgbClr val="000000"/>
                     </a:solidFill>
@@ -9151,7 +9209,7 @@
               </a:ln>
               <a:extLst>
                 <a:ext uri="{91240B29-F687-4f45-9708-019B960494DF}">
-                  <a14:hiddenLine xmlns:a14="http://schemas.microsoft.com/office/drawing/2010/main" xmlns="" w="9525">
+                  <a14:hiddenLine xmlns="" xmlns:a14="http://schemas.microsoft.com/office/drawing/2010/main" w="9525">
                     <a:solidFill>
                       <a:srgbClr val="000000"/>
                     </a:solidFill>
@@ -9213,7 +9271,7 @@
               </a:ln>
               <a:extLst>
                 <a:ext uri="{91240B29-F687-4f45-9708-019B960494DF}">
-                  <a14:hiddenLine xmlns:a14="http://schemas.microsoft.com/office/drawing/2010/main" xmlns="" w="9525">
+                  <a14:hiddenLine xmlns="" xmlns:a14="http://schemas.microsoft.com/office/drawing/2010/main" w="9525">
                     <a:solidFill>
                       <a:srgbClr val="000000"/>
                     </a:solidFill>
@@ -9303,7 +9361,7 @@
               </a:ln>
               <a:extLst>
                 <a:ext uri="{91240B29-F687-4f45-9708-019B960494DF}">
-                  <a14:hiddenLine xmlns:a14="http://schemas.microsoft.com/office/drawing/2010/main" xmlns="" w="9525">
+                  <a14:hiddenLine xmlns="" xmlns:a14="http://schemas.microsoft.com/office/drawing/2010/main" w="9525">
                     <a:solidFill>
                       <a:srgbClr val="000000"/>
                     </a:solidFill>
@@ -9365,7 +9423,7 @@
               </a:ln>
               <a:extLst>
                 <a:ext uri="{91240B29-F687-4f45-9708-019B960494DF}">
-                  <a14:hiddenLine xmlns:a14="http://schemas.microsoft.com/office/drawing/2010/main" xmlns="" w="9525">
+                  <a14:hiddenLine xmlns="" xmlns:a14="http://schemas.microsoft.com/office/drawing/2010/main" w="9525">
                     <a:solidFill>
                       <a:srgbClr val="000000"/>
                     </a:solidFill>
@@ -9427,7 +9485,7 @@
               </a:ln>
               <a:extLst>
                 <a:ext uri="{91240B29-F687-4f45-9708-019B960494DF}">
-                  <a14:hiddenLine xmlns:a14="http://schemas.microsoft.com/office/drawing/2010/main" xmlns="" w="9525">
+                  <a14:hiddenLine xmlns="" xmlns:a14="http://schemas.microsoft.com/office/drawing/2010/main" w="9525">
                     <a:solidFill>
                       <a:srgbClr val="000000"/>
                     </a:solidFill>
@@ -9517,7 +9575,7 @@
               </a:ln>
               <a:extLst>
                 <a:ext uri="{91240B29-F687-4f45-9708-019B960494DF}">
-                  <a14:hiddenLine xmlns:a14="http://schemas.microsoft.com/office/drawing/2010/main" xmlns="" w="9525">
+                  <a14:hiddenLine xmlns="" xmlns:a14="http://schemas.microsoft.com/office/drawing/2010/main" w="9525">
                     <a:solidFill>
                       <a:srgbClr val="000000"/>
                     </a:solidFill>
@@ -9607,7 +9665,7 @@
               </a:ln>
               <a:extLst>
                 <a:ext uri="{91240B29-F687-4f45-9708-019B960494DF}">
-                  <a14:hiddenLine xmlns:a14="http://schemas.microsoft.com/office/drawing/2010/main" xmlns="" w="9525">
+                  <a14:hiddenLine xmlns="" xmlns:a14="http://schemas.microsoft.com/office/drawing/2010/main" w="9525">
                     <a:solidFill>
                       <a:srgbClr val="000000"/>
                     </a:solidFill>
@@ -9669,7 +9727,7 @@
               </a:ln>
               <a:extLst>
                 <a:ext uri="{91240B29-F687-4f45-9708-019B960494DF}">
-                  <a14:hiddenLine xmlns:a14="http://schemas.microsoft.com/office/drawing/2010/main" xmlns="" w="9525">
+                  <a14:hiddenLine xmlns="" xmlns:a14="http://schemas.microsoft.com/office/drawing/2010/main" w="9525">
                     <a:solidFill>
                       <a:srgbClr val="000000"/>
                     </a:solidFill>
@@ -9779,7 +9837,7 @@
               </a:ln>
               <a:extLst>
                 <a:ext uri="{91240B29-F687-4f45-9708-019B960494DF}">
-                  <a14:hiddenLine xmlns:a14="http://schemas.microsoft.com/office/drawing/2010/main" xmlns="" w="9525">
+                  <a14:hiddenLine xmlns="" xmlns:a14="http://schemas.microsoft.com/office/drawing/2010/main" w="9525">
                     <a:solidFill>
                       <a:srgbClr val="000000"/>
                     </a:solidFill>
@@ -9863,7 +9921,7 @@
               </a:ln>
               <a:extLst>
                 <a:ext uri="{91240B29-F687-4f45-9708-019B960494DF}">
-                  <a14:hiddenLine xmlns:a14="http://schemas.microsoft.com/office/drawing/2010/main" xmlns="" w="9525">
+                  <a14:hiddenLine xmlns="" xmlns:a14="http://schemas.microsoft.com/office/drawing/2010/main" w="9525">
                     <a:solidFill>
                       <a:srgbClr val="000000"/>
                     </a:solidFill>
@@ -9925,7 +9983,7 @@
               </a:ln>
               <a:extLst>
                 <a:ext uri="{91240B29-F687-4f45-9708-019B960494DF}">
-                  <a14:hiddenLine xmlns:a14="http://schemas.microsoft.com/office/drawing/2010/main" xmlns="" w="9525">
+                  <a14:hiddenLine xmlns="" xmlns:a14="http://schemas.microsoft.com/office/drawing/2010/main" w="9525">
                     <a:solidFill>
                       <a:srgbClr val="000000"/>
                     </a:solidFill>
@@ -9987,7 +10045,7 @@
               </a:ln>
               <a:extLst>
                 <a:ext uri="{91240B29-F687-4f45-9708-019B960494DF}">
-                  <a14:hiddenLine xmlns:a14="http://schemas.microsoft.com/office/drawing/2010/main" xmlns="" w="9525">
+                  <a14:hiddenLine xmlns="" xmlns:a14="http://schemas.microsoft.com/office/drawing/2010/main" w="9525">
                     <a:solidFill>
                       <a:srgbClr val="000000"/>
                     </a:solidFill>
@@ -10077,7 +10135,7 @@
               </a:ln>
               <a:extLst>
                 <a:ext uri="{91240B29-F687-4f45-9708-019B960494DF}">
-                  <a14:hiddenLine xmlns:a14="http://schemas.microsoft.com/office/drawing/2010/main" xmlns="" w="9525">
+                  <a14:hiddenLine xmlns="" xmlns:a14="http://schemas.microsoft.com/office/drawing/2010/main" w="9525">
                     <a:solidFill>
                       <a:srgbClr val="000000"/>
                     </a:solidFill>
@@ -10111,7 +10169,7 @@
               </a:ln>
               <a:extLst>
                 <a:ext uri="{91240B29-F687-4f45-9708-019B960494DF}">
-                  <a14:hiddenLine xmlns:a14="http://schemas.microsoft.com/office/drawing/2010/main" xmlns="" w="9525">
+                  <a14:hiddenLine xmlns="" xmlns:a14="http://schemas.microsoft.com/office/drawing/2010/main" w="9525">
                     <a:solidFill>
                       <a:srgbClr val="000000"/>
                     </a:solidFill>
@@ -10176,7 +10234,7 @@
               </a:ln>
               <a:extLst>
                 <a:ext uri="{91240B29-F687-4f45-9708-019B960494DF}">
-                  <a14:hiddenLine xmlns:a14="http://schemas.microsoft.com/office/drawing/2010/main" xmlns="" w="9525">
+                  <a14:hiddenLine xmlns="" xmlns:a14="http://schemas.microsoft.com/office/drawing/2010/main" w="9525">
                     <a:solidFill>
                       <a:srgbClr val="000000"/>
                     </a:solidFill>
@@ -10266,7 +10324,7 @@
               </a:ln>
               <a:extLst>
                 <a:ext uri="{91240B29-F687-4f45-9708-019B960494DF}">
-                  <a14:hiddenLine xmlns:a14="http://schemas.microsoft.com/office/drawing/2010/main" xmlns="" w="9525">
+                  <a14:hiddenLine xmlns="" xmlns:a14="http://schemas.microsoft.com/office/drawing/2010/main" w="9525">
                     <a:solidFill>
                       <a:srgbClr val="000000"/>
                     </a:solidFill>
@@ -10328,7 +10386,7 @@
               </a:ln>
               <a:extLst>
                 <a:ext uri="{91240B29-F687-4f45-9708-019B960494DF}">
-                  <a14:hiddenLine xmlns:a14="http://schemas.microsoft.com/office/drawing/2010/main" xmlns="" w="9525">
+                  <a14:hiddenLine xmlns="" xmlns:a14="http://schemas.microsoft.com/office/drawing/2010/main" w="9525">
                     <a:solidFill>
                       <a:srgbClr val="000000"/>
                     </a:solidFill>
@@ -10418,7 +10476,7 @@
               </a:ln>
               <a:extLst>
                 <a:ext uri="{91240B29-F687-4f45-9708-019B960494DF}">
-                  <a14:hiddenLine xmlns:a14="http://schemas.microsoft.com/office/drawing/2010/main" xmlns="" w="9525">
+                  <a14:hiddenLine xmlns="" xmlns:a14="http://schemas.microsoft.com/office/drawing/2010/main" w="9525">
                     <a:solidFill>
                       <a:srgbClr val="000000"/>
                     </a:solidFill>
@@ -10483,7 +10541,7 @@
               </a:ln>
               <a:extLst>
                 <a:ext uri="{91240B29-F687-4f45-9708-019B960494DF}">
-                  <a14:hiddenLine xmlns:a14="http://schemas.microsoft.com/office/drawing/2010/main" xmlns="" w="9525">
+                  <a14:hiddenLine xmlns="" xmlns:a14="http://schemas.microsoft.com/office/drawing/2010/main" w="9525">
                     <a:solidFill>
                       <a:srgbClr val="000000"/>
                     </a:solidFill>
@@ -10545,7 +10603,7 @@
               </a:ln>
               <a:extLst>
                 <a:ext uri="{91240B29-F687-4f45-9708-019B960494DF}">
-                  <a14:hiddenLine xmlns:a14="http://schemas.microsoft.com/office/drawing/2010/main" xmlns="" w="9525">
+                  <a14:hiddenLine xmlns="" xmlns:a14="http://schemas.microsoft.com/office/drawing/2010/main" w="9525">
                     <a:solidFill>
                       <a:srgbClr val="000000"/>
                     </a:solidFill>
@@ -10635,7 +10693,7 @@
               </a:ln>
               <a:extLst>
                 <a:ext uri="{91240B29-F687-4f45-9708-019B960494DF}">
-                  <a14:hiddenLine xmlns:a14="http://schemas.microsoft.com/office/drawing/2010/main" xmlns="" w="9525">
+                  <a14:hiddenLine xmlns="" xmlns:a14="http://schemas.microsoft.com/office/drawing/2010/main" w="9525">
                     <a:solidFill>
                       <a:srgbClr val="000000"/>
                     </a:solidFill>
@@ -10725,7 +10783,7 @@
               </a:ln>
               <a:extLst>
                 <a:ext uri="{91240B29-F687-4f45-9708-019B960494DF}">
-                  <a14:hiddenLine xmlns:a14="http://schemas.microsoft.com/office/drawing/2010/main" xmlns="" w="9525">
+                  <a14:hiddenLine xmlns="" xmlns:a14="http://schemas.microsoft.com/office/drawing/2010/main" w="9525">
                     <a:solidFill>
                       <a:srgbClr val="000000"/>
                     </a:solidFill>
@@ -10790,7 +10848,7 @@
               </a:ln>
               <a:extLst>
                 <a:ext uri="{91240B29-F687-4f45-9708-019B960494DF}">
-                  <a14:hiddenLine xmlns:a14="http://schemas.microsoft.com/office/drawing/2010/main" xmlns="" w="9525">
+                  <a14:hiddenLine xmlns="" xmlns:a14="http://schemas.microsoft.com/office/drawing/2010/main" w="9525">
                     <a:solidFill>
                       <a:srgbClr val="000000"/>
                     </a:solidFill>
@@ -10910,7 +10968,7 @@
               </a:ln>
               <a:extLst>
                 <a:ext uri="{91240B29-F687-4f45-9708-019B960494DF}">
-                  <a14:hiddenLine xmlns:a14="http://schemas.microsoft.com/office/drawing/2010/main" xmlns="" w="9525">
+                  <a14:hiddenLine xmlns="" xmlns:a14="http://schemas.microsoft.com/office/drawing/2010/main" w="9525">
                     <a:solidFill>
                       <a:srgbClr val="000000"/>
                     </a:solidFill>
@@ -11008,7 +11066,7 @@
               </a:ln>
               <a:extLst>
                 <a:ext uri="{91240B29-F687-4f45-9708-019B960494DF}">
-                  <a14:hiddenLine xmlns:a14="http://schemas.microsoft.com/office/drawing/2010/main" xmlns="" w="9525">
+                  <a14:hiddenLine xmlns="" xmlns:a14="http://schemas.microsoft.com/office/drawing/2010/main" w="9525">
                     <a:solidFill>
                       <a:srgbClr val="000000"/>
                     </a:solidFill>
@@ -11123,7 +11181,7 @@
               </a:ln>
               <a:extLst>
                 <a:ext uri="{91240B29-F687-4f45-9708-019B960494DF}">
-                  <a14:hiddenLine xmlns:a14="http://schemas.microsoft.com/office/drawing/2010/main" xmlns="" w="9525">
+                  <a14:hiddenLine xmlns="" xmlns:a14="http://schemas.microsoft.com/office/drawing/2010/main" w="9525">
                     <a:solidFill>
                       <a:srgbClr val="000000"/>
                     </a:solidFill>
@@ -11213,7 +11271,7 @@
               </a:ln>
               <a:extLst>
                 <a:ext uri="{91240B29-F687-4f45-9708-019B960494DF}">
-                  <a14:hiddenLine xmlns:a14="http://schemas.microsoft.com/office/drawing/2010/main" xmlns="" w="9525">
+                  <a14:hiddenLine xmlns="" xmlns:a14="http://schemas.microsoft.com/office/drawing/2010/main" w="9525">
                     <a:solidFill>
                       <a:srgbClr val="000000"/>
                     </a:solidFill>
@@ -11278,7 +11336,7 @@
               </a:ln>
               <a:extLst>
                 <a:ext uri="{91240B29-F687-4f45-9708-019B960494DF}">
-                  <a14:hiddenLine xmlns:a14="http://schemas.microsoft.com/office/drawing/2010/main" xmlns="" w="9525">
+                  <a14:hiddenLine xmlns="" xmlns:a14="http://schemas.microsoft.com/office/drawing/2010/main" w="9525">
                     <a:solidFill>
                       <a:srgbClr val="000000"/>
                     </a:solidFill>
@@ -11368,7 +11426,7 @@
               </a:ln>
               <a:extLst>
                 <a:ext uri="{91240B29-F687-4f45-9708-019B960494DF}">
-                  <a14:hiddenLine xmlns:a14="http://schemas.microsoft.com/office/drawing/2010/main" xmlns="" w="9525">
+                  <a14:hiddenLine xmlns="" xmlns:a14="http://schemas.microsoft.com/office/drawing/2010/main" w="9525">
                     <a:solidFill>
                       <a:srgbClr val="000000"/>
                     </a:solidFill>
@@ -11436,7 +11494,7 @@
               </a:ln>
               <a:extLst>
                 <a:ext uri="{91240B29-F687-4f45-9708-019B960494DF}">
-                  <a14:hiddenLine xmlns:a14="http://schemas.microsoft.com/office/drawing/2010/main" xmlns="" w="9525">
+                  <a14:hiddenLine xmlns="" xmlns:a14="http://schemas.microsoft.com/office/drawing/2010/main" w="9525">
                     <a:solidFill>
                       <a:srgbClr val="000000"/>
                     </a:solidFill>
@@ -11526,7 +11584,7 @@
               </a:ln>
               <a:extLst>
                 <a:ext uri="{91240B29-F687-4f45-9708-019B960494DF}">
-                  <a14:hiddenLine xmlns:a14="http://schemas.microsoft.com/office/drawing/2010/main" xmlns="" w="9525">
+                  <a14:hiddenLine xmlns="" xmlns:a14="http://schemas.microsoft.com/office/drawing/2010/main" w="9525">
                     <a:solidFill>
                       <a:srgbClr val="000000"/>
                     </a:solidFill>
@@ -11594,7 +11652,7 @@
               </a:ln>
               <a:extLst>
                 <a:ext uri="{91240B29-F687-4f45-9708-019B960494DF}">
-                  <a14:hiddenLine xmlns:a14="http://schemas.microsoft.com/office/drawing/2010/main" xmlns="" w="9525">
+                  <a14:hiddenLine xmlns="" xmlns:a14="http://schemas.microsoft.com/office/drawing/2010/main" w="9525">
                     <a:solidFill>
                       <a:srgbClr val="000000"/>
                     </a:solidFill>
@@ -11684,7 +11742,7 @@
               </a:ln>
               <a:extLst>
                 <a:ext uri="{91240B29-F687-4f45-9708-019B960494DF}">
-                  <a14:hiddenLine xmlns:a14="http://schemas.microsoft.com/office/drawing/2010/main" xmlns="" w="9525">
+                  <a14:hiddenLine xmlns="" xmlns:a14="http://schemas.microsoft.com/office/drawing/2010/main" w="9525">
                     <a:solidFill>
                       <a:srgbClr val="000000"/>
                     </a:solidFill>
@@ -11718,7 +11776,7 @@
               </a:ln>
               <a:extLst>
                 <a:ext uri="{91240B29-F687-4f45-9708-019B960494DF}">
-                  <a14:hiddenLine xmlns:a14="http://schemas.microsoft.com/office/drawing/2010/main" xmlns="" w="9525">
+                  <a14:hiddenLine xmlns="" xmlns:a14="http://schemas.microsoft.com/office/drawing/2010/main" w="9525">
                     <a:solidFill>
                       <a:srgbClr val="000000"/>
                     </a:solidFill>
@@ -11835,7 +11893,7 @@
             <a:fld id="{48A87A34-81AB-432B-8DAE-1953F412C126}" type="datetimeFigureOut">
               <a:rPr lang="en-US" dirty="0"/>
               <a:pPr/>
-              <a:t>11/28/18</a:t>
+              <a:t>11/30/18</a:t>
             </a:fld>
             <a:endParaRPr lang="en-US" dirty="0"/>
           </a:p>
@@ -12522,7 +12580,9 @@
           </a:xfrm>
         </p:spPr>
         <p:txBody>
-          <a:bodyPr/>
+          <a:bodyPr>
+            <a:normAutofit/>
+          </a:bodyPr>
           <a:lstStyle/>
           <a:p>
             <a:r>
@@ -12585,17 +12645,19 @@
         </p:nvSpPr>
         <p:spPr>
           <a:xfrm>
-            <a:off x="7458922" y="2249486"/>
-            <a:ext cx="4875211" cy="3541714"/>
+            <a:off x="6674400" y="2249486"/>
+            <a:ext cx="2991316" cy="3541714"/>
           </a:xfrm>
         </p:spPr>
         <p:txBody>
-          <a:bodyPr/>
+          <a:bodyPr>
+            <a:normAutofit/>
+          </a:bodyPr>
           <a:lstStyle/>
           <a:p>
             <a:r>
               <a:rPr lang="de-DE" dirty="0"/>
-              <a:t>Datenbank: </a:t>
+              <a:t>Database: </a:t>
             </a:r>
           </a:p>
           <a:p>
@@ -12613,23 +12675,37 @@
             </a:r>
           </a:p>
           <a:p>
-            <a:pPr lvl="1"/>
+            <a:pPr marL="457200" lvl="1" indent="0">
+              <a:buNone/>
+            </a:pPr>
             <a:endParaRPr lang="de-DE" dirty="0"/>
+          </a:p>
+          <a:p>
+            <a:r>
+              <a:rPr lang="de-DE" dirty="0" err="1"/>
+              <a:t>Authorization</a:t>
+            </a:r>
+            <a:r>
+              <a:rPr lang="de-DE" dirty="0"/>
+              <a:t>:</a:t>
+            </a:r>
           </a:p>
           <a:p>
             <a:pPr lvl="1"/>
             <a:r>
               <a:rPr lang="de-DE" dirty="0"/>
-              <a:t>Docker (</a:t>
+              <a:t>SAML2/SSO</a:t>
             </a:r>
-            <a:r>
-              <a:rPr lang="de-DE" dirty="0" err="1"/>
-              <a:t>Deployment</a:t>
-            </a:r>
-            <a:r>
-              <a:rPr lang="de-DE" dirty="0"/>
-              <a:t>)</a:t>
-            </a:r>
+          </a:p>
+          <a:p>
+            <a:pPr lvl="1"/>
+            <a:endParaRPr lang="de-DE" dirty="0"/>
+          </a:p>
+          <a:p>
+            <a:pPr marL="457200" lvl="1" indent="0">
+              <a:buNone/>
+            </a:pPr>
+            <a:endParaRPr lang="de-DE" dirty="0"/>
           </a:p>
           <a:p>
             <a:pPr lvl="1"/>
@@ -12656,7 +12732,7 @@
         </p:nvSpPr>
         <p:spPr>
           <a:xfrm>
-            <a:off x="4432738" y="2249486"/>
+            <a:off x="4236795" y="2249486"/>
             <a:ext cx="4875211" cy="3541714"/>
           </a:xfrm>
           <a:prstGeom prst="rect">
@@ -12852,6 +12928,243 @@
               <a:rPr lang="de-DE" dirty="0" err="1"/>
               <a:t>Node.js</a:t>
             </a:r>
+            <a:endParaRPr lang="de-DE" dirty="0"/>
+          </a:p>
+          <a:p>
+            <a:endParaRPr lang="de-DE" dirty="0"/>
+          </a:p>
+        </p:txBody>
+      </p:sp>
+      <p:sp>
+        <p:nvSpPr>
+          <p:cNvPr id="6" name="Inhaltsplatzhalter 3">
+            <a:extLst>
+              <a:ext uri="{FF2B5EF4-FFF2-40B4-BE49-F238E27FC236}">
+                <a16:creationId xmlns:a16="http://schemas.microsoft.com/office/drawing/2014/main" id="{AAD02826-63B9-DA42-B1CB-EAD79CBF4CB6}"/>
+              </a:ext>
+            </a:extLst>
+          </p:cNvPr>
+          <p:cNvSpPr txBox="1">
+            <a:spLocks/>
+          </p:cNvSpPr>
+          <p:nvPr/>
+        </p:nvSpPr>
+        <p:spPr>
+          <a:xfrm>
+            <a:off x="9405258" y="2136774"/>
+            <a:ext cx="2991316" cy="3541714"/>
+          </a:xfrm>
+          <a:prstGeom prst="rect">
+            <a:avLst/>
+          </a:prstGeom>
+        </p:spPr>
+        <p:txBody>
+          <a:bodyPr vert="horz" lIns="91440" tIns="45720" rIns="91440" bIns="45720" rtlCol="0">
+            <a:normAutofit/>
+          </a:bodyPr>
+          <a:lstStyle>
+            <a:lvl1pPr marL="228600" indent="-228600" algn="l" defTabSz="914400" rtl="0" eaLnBrk="1" latinLnBrk="0" hangingPunct="1">
+              <a:lnSpc>
+                <a:spcPct val="120000"/>
+              </a:lnSpc>
+              <a:spcBef>
+                <a:spcPts val="1000"/>
+              </a:spcBef>
+              <a:buSzPct val="125000"/>
+              <a:buFont typeface="Arial" panose="020B0604020202020204" pitchFamily="34" charset="0"/>
+              <a:buChar char="•"/>
+              <a:defRPr sz="2400" kern="1200">
+                <a:solidFill>
+                  <a:schemeClr val="tx1"/>
+                </a:solidFill>
+                <a:latin typeface="+mn-lt"/>
+                <a:ea typeface="+mn-ea"/>
+                <a:cs typeface="+mn-cs"/>
+              </a:defRPr>
+            </a:lvl1pPr>
+            <a:lvl2pPr marL="685800" indent="-228600" algn="l" defTabSz="914400" rtl="0" eaLnBrk="1" latinLnBrk="0" hangingPunct="1">
+              <a:lnSpc>
+                <a:spcPct val="120000"/>
+              </a:lnSpc>
+              <a:spcBef>
+                <a:spcPts val="500"/>
+              </a:spcBef>
+              <a:buSzPct val="125000"/>
+              <a:buFont typeface="Arial" panose="020B0604020202020204" pitchFamily="34" charset="0"/>
+              <a:buChar char="•"/>
+              <a:defRPr sz="2000" kern="1200">
+                <a:solidFill>
+                  <a:schemeClr val="tx1"/>
+                </a:solidFill>
+                <a:latin typeface="+mn-lt"/>
+                <a:ea typeface="+mn-ea"/>
+                <a:cs typeface="+mn-cs"/>
+              </a:defRPr>
+            </a:lvl2pPr>
+            <a:lvl3pPr marL="1143000" indent="-228600" algn="l" defTabSz="914400" rtl="0" eaLnBrk="1" latinLnBrk="0" hangingPunct="1">
+              <a:lnSpc>
+                <a:spcPct val="120000"/>
+              </a:lnSpc>
+              <a:spcBef>
+                <a:spcPts val="500"/>
+              </a:spcBef>
+              <a:buSzPct val="125000"/>
+              <a:buFont typeface="Arial" panose="020B0604020202020204" pitchFamily="34" charset="0"/>
+              <a:buChar char="•"/>
+              <a:defRPr sz="1800" kern="1200">
+                <a:solidFill>
+                  <a:schemeClr val="tx1"/>
+                </a:solidFill>
+                <a:latin typeface="+mn-lt"/>
+                <a:ea typeface="+mn-ea"/>
+                <a:cs typeface="+mn-cs"/>
+              </a:defRPr>
+            </a:lvl3pPr>
+            <a:lvl4pPr marL="1600200" indent="-228600" algn="l" defTabSz="914400" rtl="0" eaLnBrk="1" latinLnBrk="0" hangingPunct="1">
+              <a:lnSpc>
+                <a:spcPct val="120000"/>
+              </a:lnSpc>
+              <a:spcBef>
+                <a:spcPts val="500"/>
+              </a:spcBef>
+              <a:buSzPct val="125000"/>
+              <a:buFont typeface="Arial" panose="020B0604020202020204" pitchFamily="34" charset="0"/>
+              <a:buChar char="•"/>
+              <a:defRPr sz="1600" kern="1200">
+                <a:solidFill>
+                  <a:schemeClr val="tx1"/>
+                </a:solidFill>
+                <a:latin typeface="+mn-lt"/>
+                <a:ea typeface="+mn-ea"/>
+                <a:cs typeface="+mn-cs"/>
+              </a:defRPr>
+            </a:lvl4pPr>
+            <a:lvl5pPr marL="2057400" indent="-228600" algn="l" defTabSz="914400" rtl="0" eaLnBrk="1" latinLnBrk="0" hangingPunct="1">
+              <a:lnSpc>
+                <a:spcPct val="120000"/>
+              </a:lnSpc>
+              <a:spcBef>
+                <a:spcPts val="500"/>
+              </a:spcBef>
+              <a:buSzPct val="125000"/>
+              <a:buFont typeface="Arial" panose="020B0604020202020204" pitchFamily="34" charset="0"/>
+              <a:buChar char="•"/>
+              <a:defRPr sz="1600" kern="1200">
+                <a:solidFill>
+                  <a:schemeClr val="tx1"/>
+                </a:solidFill>
+                <a:latin typeface="+mn-lt"/>
+                <a:ea typeface="+mn-ea"/>
+                <a:cs typeface="+mn-cs"/>
+              </a:defRPr>
+            </a:lvl5pPr>
+            <a:lvl6pPr marL="2514600" indent="-228600" algn="l" defTabSz="914400" rtl="0" eaLnBrk="1" latinLnBrk="0" hangingPunct="1">
+              <a:lnSpc>
+                <a:spcPct val="120000"/>
+              </a:lnSpc>
+              <a:spcBef>
+                <a:spcPts val="500"/>
+              </a:spcBef>
+              <a:buSzPct val="125000"/>
+              <a:buFont typeface="Arial" panose="020B0604020202020204" pitchFamily="34" charset="0"/>
+              <a:buChar char="•"/>
+              <a:defRPr sz="1400" kern="1200">
+                <a:solidFill>
+                  <a:schemeClr val="tx1"/>
+                </a:solidFill>
+                <a:latin typeface="+mn-lt"/>
+                <a:ea typeface="+mn-ea"/>
+                <a:cs typeface="+mn-cs"/>
+              </a:defRPr>
+            </a:lvl6pPr>
+            <a:lvl7pPr marL="2971800" indent="-228600" algn="l" defTabSz="914400" rtl="0" eaLnBrk="1" latinLnBrk="0" hangingPunct="1">
+              <a:lnSpc>
+                <a:spcPct val="120000"/>
+              </a:lnSpc>
+              <a:spcBef>
+                <a:spcPts val="500"/>
+              </a:spcBef>
+              <a:buSzPct val="125000"/>
+              <a:buFont typeface="Arial" panose="020B0604020202020204" pitchFamily="34" charset="0"/>
+              <a:buChar char="•"/>
+              <a:defRPr sz="1400" kern="1200">
+                <a:solidFill>
+                  <a:schemeClr val="tx1"/>
+                </a:solidFill>
+                <a:latin typeface="+mn-lt"/>
+                <a:ea typeface="+mn-ea"/>
+                <a:cs typeface="+mn-cs"/>
+              </a:defRPr>
+            </a:lvl7pPr>
+            <a:lvl8pPr marL="3429000" indent="-228600" algn="l" defTabSz="914400" rtl="0" eaLnBrk="1" latinLnBrk="0" hangingPunct="1">
+              <a:lnSpc>
+                <a:spcPct val="120000"/>
+              </a:lnSpc>
+              <a:spcBef>
+                <a:spcPts val="500"/>
+              </a:spcBef>
+              <a:buSzPct val="125000"/>
+              <a:buFont typeface="Arial" panose="020B0604020202020204" pitchFamily="34" charset="0"/>
+              <a:buChar char="•"/>
+              <a:defRPr sz="1400" kern="1200">
+                <a:solidFill>
+                  <a:schemeClr val="tx1"/>
+                </a:solidFill>
+                <a:latin typeface="+mn-lt"/>
+                <a:ea typeface="+mn-ea"/>
+                <a:cs typeface="+mn-cs"/>
+              </a:defRPr>
+            </a:lvl8pPr>
+            <a:lvl9pPr marL="3886200" indent="-228600" algn="l" defTabSz="914400" rtl="0" eaLnBrk="1" latinLnBrk="0" hangingPunct="1">
+              <a:lnSpc>
+                <a:spcPct val="120000"/>
+              </a:lnSpc>
+              <a:spcBef>
+                <a:spcPts val="500"/>
+              </a:spcBef>
+              <a:buSzPct val="125000"/>
+              <a:buFont typeface="Arial" panose="020B0604020202020204" pitchFamily="34" charset="0"/>
+              <a:buChar char="•"/>
+              <a:defRPr sz="1400" kern="1200">
+                <a:solidFill>
+                  <a:schemeClr val="tx1"/>
+                </a:solidFill>
+                <a:latin typeface="+mn-lt"/>
+                <a:ea typeface="+mn-ea"/>
+                <a:cs typeface="+mn-cs"/>
+              </a:defRPr>
+            </a:lvl9pPr>
+          </a:lstStyle>
+          <a:p>
+            <a:r>
+              <a:rPr lang="de-DE" dirty="0" err="1"/>
+              <a:t>Deployment</a:t>
+            </a:r>
+            <a:r>
+              <a:rPr lang="de-DE" dirty="0"/>
+              <a:t>:</a:t>
+            </a:r>
+          </a:p>
+          <a:p>
+            <a:pPr lvl="1"/>
+            <a:r>
+              <a:rPr lang="de-DE" dirty="0"/>
+              <a:t>Docker</a:t>
+            </a:r>
+          </a:p>
+          <a:p>
+            <a:pPr lvl="1"/>
+            <a:endParaRPr lang="de-DE" dirty="0"/>
+          </a:p>
+          <a:p>
+            <a:pPr marL="457200" lvl="1" indent="0">
+              <a:buFont typeface="Arial" panose="020B0604020202020204" pitchFamily="34" charset="0"/>
+              <a:buNone/>
+            </a:pPr>
+            <a:endParaRPr lang="de-DE" dirty="0"/>
+          </a:p>
+          <a:p>
+            <a:pPr lvl="1"/>
             <a:endParaRPr lang="de-DE" dirty="0"/>
           </a:p>
           <a:p>

--- a/vereinswebseite/Präsentation/Präsentation_Vereinswebseite.pptx
+++ b/vereinswebseite/Präsentation/Präsentation_Vereinswebseite.pptx
@@ -118,14 +118,6 @@
 </p:presentation>
 </file>
 
-<file path=ppt/revisionInfo.xml><?xml version="1.0" encoding="utf-8"?>
-<p1510:revInfo xmlns:a="http://schemas.openxmlformats.org/drawingml/2006/main" xmlns:r="http://schemas.openxmlformats.org/officeDocument/2006/relationships" xmlns:p1510="http://schemas.microsoft.com/office/powerpoint/2015/10/main">
-  <p1510:revLst>
-    <p1510:client id="{C8A56B3C-F137-6347-81A7-34BE1A206DAF}" v="9" dt="2018-11-30T10:29:01.098"/>
-  </p1510:revLst>
-</p1510:revInfo>
-</file>
-
 <file path=ppt/changesInfos/changesInfo1.xml><?xml version="1.0" encoding="utf-8"?>
 <pc:chgInfo xmlns:a="http://schemas.openxmlformats.org/drawingml/2006/main" xmlns:r="http://schemas.openxmlformats.org/officeDocument/2006/relationships" xmlns:ac="http://schemas.microsoft.com/office/drawing/2013/main/command" xmlns:pc="http://schemas.microsoft.com/office/powerpoint/2013/main/command">
   <pc:docChgLst>
@@ -229,7 +221,7 @@
           <a:noFill/>
           <a:extLst>
             <a:ext uri="{909E8E84-426E-40dd-AFC4-6F175D3DCCD1}">
-              <a14:hiddenFill xmlns="" xmlns:a14="http://schemas.microsoft.com/office/drawing/2010/main">
+              <a14:hiddenFill xmlns:a14="http://schemas.microsoft.com/office/drawing/2010/main" xmlns="">
                 <a:solidFill>
                   <a:srgbClr val="FFFFFF"/>
                 </a:solidFill>
@@ -289,7 +281,7 @@
             </a:ln>
             <a:extLst>
               <a:ext uri="{91240B29-F687-4f45-9708-019B960494DF}">
-                <a14:hiddenLine xmlns="" xmlns:a14="http://schemas.microsoft.com/office/drawing/2010/main" w="9525">
+                <a14:hiddenLine xmlns:a14="http://schemas.microsoft.com/office/drawing/2010/main" xmlns="" w="9525">
                   <a:solidFill>
                     <a:srgbClr val="000000"/>
                   </a:solidFill>
@@ -379,7 +371,7 @@
             </a:ln>
             <a:extLst>
               <a:ext uri="{91240B29-F687-4f45-9708-019B960494DF}">
-                <a14:hiddenLine xmlns="" xmlns:a14="http://schemas.microsoft.com/office/drawing/2010/main" w="9525">
+                <a14:hiddenLine xmlns:a14="http://schemas.microsoft.com/office/drawing/2010/main" xmlns="" w="9525">
                   <a:solidFill>
                     <a:srgbClr val="000000"/>
                   </a:solidFill>
@@ -469,7 +461,7 @@
             </a:ln>
             <a:extLst>
               <a:ext uri="{91240B29-F687-4f45-9708-019B960494DF}">
-                <a14:hiddenLine xmlns="" xmlns:a14="http://schemas.microsoft.com/office/drawing/2010/main" w="9525">
+                <a14:hiddenLine xmlns:a14="http://schemas.microsoft.com/office/drawing/2010/main" xmlns="" w="9525">
                   <a:solidFill>
                     <a:srgbClr val="000000"/>
                   </a:solidFill>
@@ -503,7 +495,7 @@
             </a:ln>
             <a:extLst>
               <a:ext uri="{91240B29-F687-4f45-9708-019B960494DF}">
-                <a14:hiddenLine xmlns="" xmlns:a14="http://schemas.microsoft.com/office/drawing/2010/main" w="9525">
+                <a14:hiddenLine xmlns:a14="http://schemas.microsoft.com/office/drawing/2010/main" xmlns="" w="9525">
                   <a:solidFill>
                     <a:srgbClr val="000000"/>
                   </a:solidFill>
@@ -593,7 +585,7 @@
             </a:ln>
             <a:extLst>
               <a:ext uri="{91240B29-F687-4f45-9708-019B960494DF}">
-                <a14:hiddenLine xmlns="" xmlns:a14="http://schemas.microsoft.com/office/drawing/2010/main" w="9525">
+                <a14:hiddenLine xmlns:a14="http://schemas.microsoft.com/office/drawing/2010/main" xmlns="" w="9525">
                   <a:solidFill>
                     <a:srgbClr val="000000"/>
                   </a:solidFill>
@@ -655,7 +647,7 @@
             </a:ln>
             <a:extLst>
               <a:ext uri="{91240B29-F687-4f45-9708-019B960494DF}">
-                <a14:hiddenLine xmlns="" xmlns:a14="http://schemas.microsoft.com/office/drawing/2010/main" w="9525">
+                <a14:hiddenLine xmlns:a14="http://schemas.microsoft.com/office/drawing/2010/main" xmlns="" w="9525">
                   <a:solidFill>
                     <a:srgbClr val="000000"/>
                   </a:solidFill>
@@ -717,7 +709,7 @@
             </a:ln>
             <a:extLst>
               <a:ext uri="{91240B29-F687-4f45-9708-019B960494DF}">
-                <a14:hiddenLine xmlns="" xmlns:a14="http://schemas.microsoft.com/office/drawing/2010/main" w="9525">
+                <a14:hiddenLine xmlns:a14="http://schemas.microsoft.com/office/drawing/2010/main" xmlns="" w="9525">
                   <a:solidFill>
                     <a:srgbClr val="000000"/>
                   </a:solidFill>
@@ -807,7 +799,7 @@
             </a:ln>
             <a:extLst>
               <a:ext uri="{91240B29-F687-4f45-9708-019B960494DF}">
-                <a14:hiddenLine xmlns="" xmlns:a14="http://schemas.microsoft.com/office/drawing/2010/main" w="9525">
+                <a14:hiddenLine xmlns:a14="http://schemas.microsoft.com/office/drawing/2010/main" xmlns="" w="9525">
                   <a:solidFill>
                     <a:srgbClr val="000000"/>
                   </a:solidFill>
@@ -869,7 +861,7 @@
             </a:ln>
             <a:extLst>
               <a:ext uri="{91240B29-F687-4f45-9708-019B960494DF}">
-                <a14:hiddenLine xmlns="" xmlns:a14="http://schemas.microsoft.com/office/drawing/2010/main" w="9525">
+                <a14:hiddenLine xmlns:a14="http://schemas.microsoft.com/office/drawing/2010/main" xmlns="" w="9525">
                   <a:solidFill>
                     <a:srgbClr val="000000"/>
                   </a:solidFill>
@@ -931,7 +923,7 @@
             </a:ln>
             <a:extLst>
               <a:ext uri="{91240B29-F687-4f45-9708-019B960494DF}">
-                <a14:hiddenLine xmlns="" xmlns:a14="http://schemas.microsoft.com/office/drawing/2010/main" w="9525">
+                <a14:hiddenLine xmlns:a14="http://schemas.microsoft.com/office/drawing/2010/main" xmlns="" w="9525">
                   <a:solidFill>
                     <a:srgbClr val="000000"/>
                   </a:solidFill>
@@ -1021,7 +1013,7 @@
             </a:ln>
             <a:extLst>
               <a:ext uri="{91240B29-F687-4f45-9708-019B960494DF}">
-                <a14:hiddenLine xmlns="" xmlns:a14="http://schemas.microsoft.com/office/drawing/2010/main" w="9525">
+                <a14:hiddenLine xmlns:a14="http://schemas.microsoft.com/office/drawing/2010/main" xmlns="" w="9525">
                   <a:solidFill>
                     <a:srgbClr val="000000"/>
                   </a:solidFill>
@@ -1111,7 +1103,7 @@
             </a:ln>
             <a:extLst>
               <a:ext uri="{91240B29-F687-4f45-9708-019B960494DF}">
-                <a14:hiddenLine xmlns="" xmlns:a14="http://schemas.microsoft.com/office/drawing/2010/main" w="9525">
+                <a14:hiddenLine xmlns:a14="http://schemas.microsoft.com/office/drawing/2010/main" xmlns="" w="9525">
                   <a:solidFill>
                     <a:srgbClr val="000000"/>
                   </a:solidFill>
@@ -1173,7 +1165,7 @@
             </a:ln>
             <a:extLst>
               <a:ext uri="{91240B29-F687-4f45-9708-019B960494DF}">
-                <a14:hiddenLine xmlns="" xmlns:a14="http://schemas.microsoft.com/office/drawing/2010/main" w="9525">
+                <a14:hiddenLine xmlns:a14="http://schemas.microsoft.com/office/drawing/2010/main" xmlns="" w="9525">
                   <a:solidFill>
                     <a:srgbClr val="000000"/>
                   </a:solidFill>
@@ -1283,7 +1275,7 @@
             </a:ln>
             <a:extLst>
               <a:ext uri="{91240B29-F687-4f45-9708-019B960494DF}">
-                <a14:hiddenLine xmlns="" xmlns:a14="http://schemas.microsoft.com/office/drawing/2010/main" w="9525">
+                <a14:hiddenLine xmlns:a14="http://schemas.microsoft.com/office/drawing/2010/main" xmlns="" w="9525">
                   <a:solidFill>
                     <a:srgbClr val="000000"/>
                   </a:solidFill>
@@ -1345,7 +1337,7 @@
             </a:ln>
             <a:extLst>
               <a:ext uri="{91240B29-F687-4f45-9708-019B960494DF}">
-                <a14:hiddenLine xmlns="" xmlns:a14="http://schemas.microsoft.com/office/drawing/2010/main" w="9525">
+                <a14:hiddenLine xmlns:a14="http://schemas.microsoft.com/office/drawing/2010/main" xmlns="" w="9525">
                   <a:solidFill>
                     <a:srgbClr val="000000"/>
                   </a:solidFill>
@@ -1435,7 +1427,7 @@
             </a:ln>
             <a:extLst>
               <a:ext uri="{91240B29-F687-4f45-9708-019B960494DF}">
-                <a14:hiddenLine xmlns="" xmlns:a14="http://schemas.microsoft.com/office/drawing/2010/main" w="9525">
+                <a14:hiddenLine xmlns:a14="http://schemas.microsoft.com/office/drawing/2010/main" xmlns="" w="9525">
                   <a:solidFill>
                     <a:srgbClr val="000000"/>
                   </a:solidFill>
@@ -1525,7 +1517,7 @@
             </a:ln>
             <a:extLst>
               <a:ext uri="{91240B29-F687-4f45-9708-019B960494DF}">
-                <a14:hiddenLine xmlns="" xmlns:a14="http://schemas.microsoft.com/office/drawing/2010/main" w="9525">
+                <a14:hiddenLine xmlns:a14="http://schemas.microsoft.com/office/drawing/2010/main" xmlns="" w="9525">
                   <a:solidFill>
                     <a:srgbClr val="000000"/>
                   </a:solidFill>
@@ -1587,7 +1579,7 @@
             </a:ln>
             <a:extLst>
               <a:ext uri="{91240B29-F687-4f45-9708-019B960494DF}">
-                <a14:hiddenLine xmlns="" xmlns:a14="http://schemas.microsoft.com/office/drawing/2010/main" w="9525">
+                <a14:hiddenLine xmlns:a14="http://schemas.microsoft.com/office/drawing/2010/main" xmlns="" w="9525">
                   <a:solidFill>
                     <a:srgbClr val="000000"/>
                   </a:solidFill>
@@ -1677,7 +1669,7 @@
             </a:ln>
             <a:extLst>
               <a:ext uri="{91240B29-F687-4f45-9708-019B960494DF}">
-                <a14:hiddenLine xmlns="" xmlns:a14="http://schemas.microsoft.com/office/drawing/2010/main" w="9525">
+                <a14:hiddenLine xmlns:a14="http://schemas.microsoft.com/office/drawing/2010/main" xmlns="" w="9525">
                   <a:solidFill>
                     <a:srgbClr val="000000"/>
                   </a:solidFill>
@@ -1767,7 +1759,7 @@
             </a:ln>
             <a:extLst>
               <a:ext uri="{91240B29-F687-4f45-9708-019B960494DF}">
-                <a14:hiddenLine xmlns="" xmlns:a14="http://schemas.microsoft.com/office/drawing/2010/main" w="9525">
+                <a14:hiddenLine xmlns:a14="http://schemas.microsoft.com/office/drawing/2010/main" xmlns="" w="9525">
                   <a:solidFill>
                     <a:srgbClr val="000000"/>
                   </a:solidFill>
@@ -1823,7 +1815,7 @@
             </a:ln>
             <a:extLst>
               <a:ext uri="{91240B29-F687-4f45-9708-019B960494DF}">
-                <a14:hiddenLine xmlns="" xmlns:a14="http://schemas.microsoft.com/office/drawing/2010/main" w="9525">
+                <a14:hiddenLine xmlns:a14="http://schemas.microsoft.com/office/drawing/2010/main" xmlns="" w="9525">
                   <a:solidFill>
                     <a:srgbClr val="000000"/>
                   </a:solidFill>
@@ -1913,7 +1905,7 @@
             </a:ln>
             <a:extLst>
               <a:ext uri="{91240B29-F687-4f45-9708-019B960494DF}">
-                <a14:hiddenLine xmlns="" xmlns:a14="http://schemas.microsoft.com/office/drawing/2010/main" w="9525">
+                <a14:hiddenLine xmlns:a14="http://schemas.microsoft.com/office/drawing/2010/main" xmlns="" w="9525">
                   <a:solidFill>
                     <a:srgbClr val="000000"/>
                   </a:solidFill>
@@ -1969,7 +1961,7 @@
             </a:ln>
             <a:extLst>
               <a:ext uri="{91240B29-F687-4f45-9708-019B960494DF}">
-                <a14:hiddenLine xmlns="" xmlns:a14="http://schemas.microsoft.com/office/drawing/2010/main" w="9525">
+                <a14:hiddenLine xmlns:a14="http://schemas.microsoft.com/office/drawing/2010/main" xmlns="" w="9525">
                   <a:solidFill>
                     <a:srgbClr val="000000"/>
                   </a:solidFill>
@@ -2059,7 +2051,7 @@
             </a:ln>
             <a:extLst>
               <a:ext uri="{91240B29-F687-4f45-9708-019B960494DF}">
-                <a14:hiddenLine xmlns="" xmlns:a14="http://schemas.microsoft.com/office/drawing/2010/main" w="9525">
+                <a14:hiddenLine xmlns:a14="http://schemas.microsoft.com/office/drawing/2010/main" xmlns="" w="9525">
                   <a:solidFill>
                     <a:srgbClr val="000000"/>
                   </a:solidFill>
@@ -2127,7 +2119,7 @@
             </a:ln>
             <a:extLst>
               <a:ext uri="{91240B29-F687-4f45-9708-019B960494DF}">
-                <a14:hiddenLine xmlns="" xmlns:a14="http://schemas.microsoft.com/office/drawing/2010/main" w="9525">
+                <a14:hiddenLine xmlns:a14="http://schemas.microsoft.com/office/drawing/2010/main" xmlns="" w="9525">
                   <a:solidFill>
                     <a:srgbClr val="000000"/>
                   </a:solidFill>
@@ -2217,7 +2209,7 @@
             </a:ln>
             <a:extLst>
               <a:ext uri="{91240B29-F687-4f45-9708-019B960494DF}">
-                <a14:hiddenLine xmlns="" xmlns:a14="http://schemas.microsoft.com/office/drawing/2010/main" w="9525">
+                <a14:hiddenLine xmlns:a14="http://schemas.microsoft.com/office/drawing/2010/main" xmlns="" w="9525">
                   <a:solidFill>
                     <a:srgbClr val="000000"/>
                   </a:solidFill>
@@ -2285,7 +2277,7 @@
             </a:ln>
             <a:extLst>
               <a:ext uri="{91240B29-F687-4f45-9708-019B960494DF}">
-                <a14:hiddenLine xmlns="" xmlns:a14="http://schemas.microsoft.com/office/drawing/2010/main" w="9525">
+                <a14:hiddenLine xmlns:a14="http://schemas.microsoft.com/office/drawing/2010/main" xmlns="" w="9525">
                   <a:solidFill>
                     <a:srgbClr val="000000"/>
                   </a:solidFill>
@@ -2375,7 +2367,7 @@
             </a:ln>
             <a:extLst>
               <a:ext uri="{91240B29-F687-4f45-9708-019B960494DF}">
-                <a14:hiddenLine xmlns="" xmlns:a14="http://schemas.microsoft.com/office/drawing/2010/main" w="9525">
+                <a14:hiddenLine xmlns:a14="http://schemas.microsoft.com/office/drawing/2010/main" xmlns="" w="9525">
                   <a:solidFill>
                     <a:srgbClr val="000000"/>
                   </a:solidFill>
@@ -2409,7 +2401,7 @@
             </a:ln>
             <a:extLst>
               <a:ext uri="{91240B29-F687-4f45-9708-019B960494DF}">
-                <a14:hiddenLine xmlns="" xmlns:a14="http://schemas.microsoft.com/office/drawing/2010/main" w="9525">
+                <a14:hiddenLine xmlns:a14="http://schemas.microsoft.com/office/drawing/2010/main" xmlns="" w="9525">
                   <a:solidFill>
                     <a:srgbClr val="000000"/>
                   </a:solidFill>
@@ -2499,7 +2491,7 @@
             </a:ln>
             <a:extLst>
               <a:ext uri="{91240B29-F687-4f45-9708-019B960494DF}">
-                <a14:hiddenLine xmlns="" xmlns:a14="http://schemas.microsoft.com/office/drawing/2010/main" w="9525">
+                <a14:hiddenLine xmlns:a14="http://schemas.microsoft.com/office/drawing/2010/main" xmlns="" w="9525">
                   <a:solidFill>
                     <a:srgbClr val="000000"/>
                   </a:solidFill>
@@ -2561,7 +2553,7 @@
             </a:ln>
             <a:extLst>
               <a:ext uri="{91240B29-F687-4f45-9708-019B960494DF}">
-                <a14:hiddenLine xmlns="" xmlns:a14="http://schemas.microsoft.com/office/drawing/2010/main" w="9525">
+                <a14:hiddenLine xmlns:a14="http://schemas.microsoft.com/office/drawing/2010/main" xmlns="" w="9525">
                   <a:solidFill>
                     <a:srgbClr val="000000"/>
                   </a:solidFill>
@@ -2623,7 +2615,7 @@
             </a:ln>
             <a:extLst>
               <a:ext uri="{91240B29-F687-4f45-9708-019B960494DF}">
-                <a14:hiddenLine xmlns="" xmlns:a14="http://schemas.microsoft.com/office/drawing/2010/main" w="9525">
+                <a14:hiddenLine xmlns:a14="http://schemas.microsoft.com/office/drawing/2010/main" xmlns="" w="9525">
                   <a:solidFill>
                     <a:srgbClr val="000000"/>
                   </a:solidFill>
@@ -2713,7 +2705,7 @@
             </a:ln>
             <a:extLst>
               <a:ext uri="{91240B29-F687-4f45-9708-019B960494DF}">
-                <a14:hiddenLine xmlns="" xmlns:a14="http://schemas.microsoft.com/office/drawing/2010/main" w="9525">
+                <a14:hiddenLine xmlns:a14="http://schemas.microsoft.com/office/drawing/2010/main" xmlns="" w="9525">
                   <a:solidFill>
                     <a:srgbClr val="000000"/>
                   </a:solidFill>
@@ -2781,7 +2773,7 @@
             </a:ln>
             <a:extLst>
               <a:ext uri="{91240B29-F687-4f45-9708-019B960494DF}">
-                <a14:hiddenLine xmlns="" xmlns:a14="http://schemas.microsoft.com/office/drawing/2010/main" w="9525">
+                <a14:hiddenLine xmlns:a14="http://schemas.microsoft.com/office/drawing/2010/main" xmlns="" w="9525">
                   <a:solidFill>
                     <a:srgbClr val="000000"/>
                   </a:solidFill>
@@ -2843,7 +2835,7 @@
             </a:ln>
             <a:extLst>
               <a:ext uri="{91240B29-F687-4f45-9708-019B960494DF}">
-                <a14:hiddenLine xmlns="" xmlns:a14="http://schemas.microsoft.com/office/drawing/2010/main" w="9525">
+                <a14:hiddenLine xmlns:a14="http://schemas.microsoft.com/office/drawing/2010/main" xmlns="" w="9525">
                   <a:solidFill>
                     <a:srgbClr val="000000"/>
                   </a:solidFill>
@@ -2933,7 +2925,7 @@
             </a:ln>
             <a:extLst>
               <a:ext uri="{91240B29-F687-4f45-9708-019B960494DF}">
-                <a14:hiddenLine xmlns="" xmlns:a14="http://schemas.microsoft.com/office/drawing/2010/main" w="9525">
+                <a14:hiddenLine xmlns:a14="http://schemas.microsoft.com/office/drawing/2010/main" xmlns="" w="9525">
                   <a:solidFill>
                     <a:srgbClr val="000000"/>
                   </a:solidFill>
@@ -2995,7 +2987,7 @@
             </a:ln>
             <a:extLst>
               <a:ext uri="{91240B29-F687-4f45-9708-019B960494DF}">
-                <a14:hiddenLine xmlns="" xmlns:a14="http://schemas.microsoft.com/office/drawing/2010/main" w="9525">
+                <a14:hiddenLine xmlns:a14="http://schemas.microsoft.com/office/drawing/2010/main" xmlns="" w="9525">
                   <a:solidFill>
                     <a:srgbClr val="000000"/>
                   </a:solidFill>
@@ -3085,7 +3077,7 @@
             </a:ln>
             <a:extLst>
               <a:ext uri="{91240B29-F687-4f45-9708-019B960494DF}">
-                <a14:hiddenLine xmlns="" xmlns:a14="http://schemas.microsoft.com/office/drawing/2010/main" w="9525">
+                <a14:hiddenLine xmlns:a14="http://schemas.microsoft.com/office/drawing/2010/main" xmlns="" w="9525">
                   <a:solidFill>
                     <a:srgbClr val="000000"/>
                   </a:solidFill>
@@ -3147,7 +3139,7 @@
             </a:ln>
             <a:extLst>
               <a:ext uri="{91240B29-F687-4f45-9708-019B960494DF}">
-                <a14:hiddenLine xmlns="" xmlns:a14="http://schemas.microsoft.com/office/drawing/2010/main" w="9525">
+                <a14:hiddenLine xmlns:a14="http://schemas.microsoft.com/office/drawing/2010/main" xmlns="" w="9525">
                   <a:solidFill>
                     <a:srgbClr val="000000"/>
                   </a:solidFill>
@@ -3237,7 +3229,7 @@
             </a:ln>
             <a:extLst>
               <a:ext uri="{91240B29-F687-4f45-9708-019B960494DF}">
-                <a14:hiddenLine xmlns="" xmlns:a14="http://schemas.microsoft.com/office/drawing/2010/main" w="9525">
+                <a14:hiddenLine xmlns:a14="http://schemas.microsoft.com/office/drawing/2010/main" xmlns="" w="9525">
                   <a:solidFill>
                     <a:srgbClr val="000000"/>
                   </a:solidFill>
@@ -3271,7 +3263,7 @@
             </a:ln>
             <a:extLst>
               <a:ext uri="{91240B29-F687-4f45-9708-019B960494DF}">
-                <a14:hiddenLine xmlns="" xmlns:a14="http://schemas.microsoft.com/office/drawing/2010/main" w="9525">
+                <a14:hiddenLine xmlns:a14="http://schemas.microsoft.com/office/drawing/2010/main" xmlns="" w="9525">
                   <a:solidFill>
                     <a:srgbClr val="000000"/>
                   </a:solidFill>
@@ -3336,7 +3328,7 @@
             </a:ln>
             <a:extLst>
               <a:ext uri="{91240B29-F687-4f45-9708-019B960494DF}">
-                <a14:hiddenLine xmlns="" xmlns:a14="http://schemas.microsoft.com/office/drawing/2010/main" w="9525">
+                <a14:hiddenLine xmlns:a14="http://schemas.microsoft.com/office/drawing/2010/main" xmlns="" w="9525">
                   <a:solidFill>
                     <a:srgbClr val="000000"/>
                   </a:solidFill>
@@ -3426,7 +3418,7 @@
             </a:ln>
             <a:extLst>
               <a:ext uri="{91240B29-F687-4f45-9708-019B960494DF}">
-                <a14:hiddenLine xmlns="" xmlns:a14="http://schemas.microsoft.com/office/drawing/2010/main" w="9525">
+                <a14:hiddenLine xmlns:a14="http://schemas.microsoft.com/office/drawing/2010/main" xmlns="" w="9525">
                   <a:solidFill>
                     <a:srgbClr val="000000"/>
                   </a:solidFill>
@@ -3488,7 +3480,7 @@
             </a:ln>
             <a:extLst>
               <a:ext uri="{91240B29-F687-4f45-9708-019B960494DF}">
-                <a14:hiddenLine xmlns="" xmlns:a14="http://schemas.microsoft.com/office/drawing/2010/main" w="9525">
+                <a14:hiddenLine xmlns:a14="http://schemas.microsoft.com/office/drawing/2010/main" xmlns="" w="9525">
                   <a:solidFill>
                     <a:srgbClr val="000000"/>
                   </a:solidFill>
@@ -3578,7 +3570,7 @@
             </a:ln>
             <a:extLst>
               <a:ext uri="{91240B29-F687-4f45-9708-019B960494DF}">
-                <a14:hiddenLine xmlns="" xmlns:a14="http://schemas.microsoft.com/office/drawing/2010/main" w="9525">
+                <a14:hiddenLine xmlns:a14="http://schemas.microsoft.com/office/drawing/2010/main" xmlns="" w="9525">
                   <a:solidFill>
                     <a:srgbClr val="000000"/>
                   </a:solidFill>
@@ -3668,7 +3660,7 @@
             </a:ln>
             <a:extLst>
               <a:ext uri="{91240B29-F687-4f45-9708-019B960494DF}">
-                <a14:hiddenLine xmlns="" xmlns:a14="http://schemas.microsoft.com/office/drawing/2010/main" w="9525">
+                <a14:hiddenLine xmlns:a14="http://schemas.microsoft.com/office/drawing/2010/main" xmlns="" w="9525">
                   <a:solidFill>
                     <a:srgbClr val="000000"/>
                   </a:solidFill>
@@ -3733,7 +3725,7 @@
             </a:ln>
             <a:extLst>
               <a:ext uri="{91240B29-F687-4f45-9708-019B960494DF}">
-                <a14:hiddenLine xmlns="" xmlns:a14="http://schemas.microsoft.com/office/drawing/2010/main" w="9525">
+                <a14:hiddenLine xmlns:a14="http://schemas.microsoft.com/office/drawing/2010/main" xmlns="" w="9525">
                   <a:solidFill>
                     <a:srgbClr val="000000"/>
                   </a:solidFill>
@@ -3795,7 +3787,7 @@
             </a:ln>
             <a:extLst>
               <a:ext uri="{91240B29-F687-4f45-9708-019B960494DF}">
-                <a14:hiddenLine xmlns="" xmlns:a14="http://schemas.microsoft.com/office/drawing/2010/main" w="9525">
+                <a14:hiddenLine xmlns:a14="http://schemas.microsoft.com/office/drawing/2010/main" xmlns="" w="9525">
                   <a:solidFill>
                     <a:srgbClr val="000000"/>
                   </a:solidFill>
@@ -3885,7 +3877,7 @@
             </a:ln>
             <a:extLst>
               <a:ext uri="{91240B29-F687-4f45-9708-019B960494DF}">
-                <a14:hiddenLine xmlns="" xmlns:a14="http://schemas.microsoft.com/office/drawing/2010/main" w="9525">
+                <a14:hiddenLine xmlns:a14="http://schemas.microsoft.com/office/drawing/2010/main" xmlns="" w="9525">
                   <a:solidFill>
                     <a:srgbClr val="000000"/>
                   </a:solidFill>
@@ -3975,7 +3967,7 @@
             </a:ln>
             <a:extLst>
               <a:ext uri="{91240B29-F687-4f45-9708-019B960494DF}">
-                <a14:hiddenLine xmlns="" xmlns:a14="http://schemas.microsoft.com/office/drawing/2010/main" w="9525">
+                <a14:hiddenLine xmlns:a14="http://schemas.microsoft.com/office/drawing/2010/main" xmlns="" w="9525">
                   <a:solidFill>
                     <a:srgbClr val="000000"/>
                   </a:solidFill>
@@ -4037,7 +4029,7 @@
             </a:ln>
             <a:extLst>
               <a:ext uri="{91240B29-F687-4f45-9708-019B960494DF}">
-                <a14:hiddenLine xmlns="" xmlns:a14="http://schemas.microsoft.com/office/drawing/2010/main" w="9525">
+                <a14:hiddenLine xmlns:a14="http://schemas.microsoft.com/office/drawing/2010/main" xmlns="" w="9525">
                   <a:solidFill>
                     <a:srgbClr val="000000"/>
                   </a:solidFill>
@@ -4157,7 +4149,7 @@
             </a:ln>
             <a:extLst>
               <a:ext uri="{91240B29-F687-4f45-9708-019B960494DF}">
-                <a14:hiddenLine xmlns="" xmlns:a14="http://schemas.microsoft.com/office/drawing/2010/main" w="9525">
+                <a14:hiddenLine xmlns:a14="http://schemas.microsoft.com/office/drawing/2010/main" xmlns="" w="9525">
                   <a:solidFill>
                     <a:srgbClr val="000000"/>
                   </a:solidFill>
@@ -4225,7 +4217,7 @@
             </a:ln>
             <a:extLst>
               <a:ext uri="{91240B29-F687-4f45-9708-019B960494DF}">
-                <a14:hiddenLine xmlns="" xmlns:a14="http://schemas.microsoft.com/office/drawing/2010/main" w="9525">
+                <a14:hiddenLine xmlns:a14="http://schemas.microsoft.com/office/drawing/2010/main" xmlns="" w="9525">
                   <a:solidFill>
                     <a:srgbClr val="000000"/>
                   </a:solidFill>
@@ -4315,7 +4307,7 @@
             </a:ln>
             <a:extLst>
               <a:ext uri="{91240B29-F687-4f45-9708-019B960494DF}">
-                <a14:hiddenLine xmlns="" xmlns:a14="http://schemas.microsoft.com/office/drawing/2010/main" w="9525">
+                <a14:hiddenLine xmlns:a14="http://schemas.microsoft.com/office/drawing/2010/main" xmlns="" w="9525">
                   <a:solidFill>
                     <a:srgbClr val="000000"/>
                   </a:solidFill>
@@ -4455,7 +4447,7 @@
           <a:p>
             <a:fld id="{48A87A34-81AB-432B-8DAE-1953F412C126}" type="datetimeFigureOut">
               <a:rPr lang="en-US" dirty="0"/>
-              <a:t>11/30/18</a:t>
+              <a:t>12/5/18</a:t>
             </a:fld>
             <a:endParaRPr lang="en-US" dirty="0"/>
           </a:p>
@@ -4722,7 +4714,7 @@
           <a:p>
             <a:fld id="{48A87A34-81AB-432B-8DAE-1953F412C126}" type="datetimeFigureOut">
               <a:rPr lang="en-US" dirty="0"/>
-              <a:t>11/30/18</a:t>
+              <a:t>12/5/18</a:t>
             </a:fld>
             <a:endParaRPr lang="en-US" dirty="0"/>
           </a:p>
@@ -4918,7 +4910,7 @@
           <a:p>
             <a:fld id="{48A87A34-81AB-432B-8DAE-1953F412C126}" type="datetimeFigureOut">
               <a:rPr lang="en-US" dirty="0"/>
-              <a:t>11/30/18</a:t>
+              <a:t>12/5/18</a:t>
             </a:fld>
             <a:endParaRPr lang="en-US" dirty="0"/>
           </a:p>
@@ -5186,7 +5178,7 @@
           <a:p>
             <a:fld id="{48A87A34-81AB-432B-8DAE-1953F412C126}" type="datetimeFigureOut">
               <a:rPr lang="en-US" dirty="0"/>
-              <a:t>11/30/18</a:t>
+              <a:t>12/5/18</a:t>
             </a:fld>
             <a:endParaRPr lang="en-US" dirty="0"/>
           </a:p>
@@ -5620,7 +5612,7 @@
           <a:p>
             <a:fld id="{48A87A34-81AB-432B-8DAE-1953F412C126}" type="datetimeFigureOut">
               <a:rPr lang="en-US" dirty="0"/>
-              <a:t>11/30/18</a:t>
+              <a:t>12/5/18</a:t>
             </a:fld>
             <a:endParaRPr lang="en-US" dirty="0"/>
           </a:p>
@@ -6191,7 +6183,7 @@
           <a:p>
             <a:fld id="{48A87A34-81AB-432B-8DAE-1953F412C126}" type="datetimeFigureOut">
               <a:rPr lang="en-US" dirty="0"/>
-              <a:t>11/30/18</a:t>
+              <a:t>12/5/18</a:t>
             </a:fld>
             <a:endParaRPr lang="en-US" dirty="0"/>
           </a:p>
@@ -6936,7 +6928,7 @@
           <a:p>
             <a:fld id="{48A87A34-81AB-432B-8DAE-1953F412C126}" type="datetimeFigureOut">
               <a:rPr lang="en-US" dirty="0"/>
-              <a:t>11/30/18</a:t>
+              <a:t>12/5/18</a:t>
             </a:fld>
             <a:endParaRPr lang="en-US" dirty="0"/>
           </a:p>
@@ -7077,7 +7069,7 @@
           <a:p>
             <a:fld id="{48A87A34-81AB-432B-8DAE-1953F412C126}" type="datetimeFigureOut">
               <a:rPr lang="en-US" dirty="0"/>
-              <a:t>11/30/18</a:t>
+              <a:t>12/5/18</a:t>
             </a:fld>
             <a:endParaRPr lang="en-US" dirty="0"/>
           </a:p>
@@ -7228,7 +7220,7 @@
           <a:p>
             <a:fld id="{48A87A34-81AB-432B-8DAE-1953F412C126}" type="datetimeFigureOut">
               <a:rPr lang="en-US" dirty="0"/>
-              <a:t>11/30/18</a:t>
+              <a:t>12/5/18</a:t>
             </a:fld>
             <a:endParaRPr lang="en-US" dirty="0"/>
           </a:p>
@@ -7369,7 +7361,7 @@
           <a:p>
             <a:fld id="{48A87A34-81AB-432B-8DAE-1953F412C126}" type="datetimeFigureOut">
               <a:rPr lang="en-US" dirty="0"/>
-              <a:t>11/30/18</a:t>
+              <a:t>12/5/18</a:t>
             </a:fld>
             <a:endParaRPr lang="en-US" dirty="0"/>
           </a:p>
@@ -7619,7 +7611,7 @@
           <a:p>
             <a:fld id="{48A87A34-81AB-432B-8DAE-1953F412C126}" type="datetimeFigureOut">
               <a:rPr lang="en-US" dirty="0"/>
-              <a:t>11/30/18</a:t>
+              <a:t>12/5/18</a:t>
             </a:fld>
             <a:endParaRPr lang="en-US" dirty="0"/>
           </a:p>
@@ -7798,7 +7790,7 @@
           <a:p>
             <a:fld id="{48A87A34-81AB-432B-8DAE-1953F412C126}" type="datetimeFigureOut">
               <a:rPr lang="en-US" dirty="0"/>
-              <a:t>11/30/18</a:t>
+              <a:t>12/5/18</a:t>
             </a:fld>
             <a:endParaRPr lang="en-US" dirty="0"/>
           </a:p>
@@ -8136,7 +8128,7 @@
           <a:p>
             <a:fld id="{48A87A34-81AB-432B-8DAE-1953F412C126}" type="datetimeFigureOut">
               <a:rPr lang="en-US" dirty="0"/>
-              <a:t>11/30/18</a:t>
+              <a:t>12/5/18</a:t>
             </a:fld>
             <a:endParaRPr lang="en-US" dirty="0"/>
           </a:p>
@@ -8249,7 +8241,7 @@
           <a:p>
             <a:fld id="{48A87A34-81AB-432B-8DAE-1953F412C126}" type="datetimeFigureOut">
               <a:rPr lang="en-US" dirty="0"/>
-              <a:t>11/30/18</a:t>
+              <a:t>12/5/18</a:t>
             </a:fld>
             <a:endParaRPr lang="en-US" dirty="0"/>
           </a:p>
@@ -8339,7 +8331,7 @@
           <a:p>
             <a:fld id="{48A87A34-81AB-432B-8DAE-1953F412C126}" type="datetimeFigureOut">
               <a:rPr lang="en-US" dirty="0"/>
-              <a:t>11/30/18</a:t>
+              <a:t>12/5/18</a:t>
             </a:fld>
             <a:endParaRPr lang="en-US" dirty="0"/>
           </a:p>
@@ -8564,7 +8556,7 @@
           <a:p>
             <a:fld id="{48A87A34-81AB-432B-8DAE-1953F412C126}" type="datetimeFigureOut">
               <a:rPr lang="en-US" dirty="0"/>
-              <a:t>11/30/18</a:t>
+              <a:t>12/5/18</a:t>
             </a:fld>
             <a:endParaRPr lang="en-US" dirty="0"/>
           </a:p>
@@ -8844,7 +8836,7 @@
           <a:p>
             <a:fld id="{48A87A34-81AB-432B-8DAE-1953F412C126}" type="datetimeFigureOut">
               <a:rPr lang="en-US" dirty="0"/>
-              <a:t>11/30/18</a:t>
+              <a:t>12/5/18</a:t>
             </a:fld>
             <a:endParaRPr lang="en-US" dirty="0"/>
           </a:p>
@@ -8955,7 +8947,7 @@
           <a:noFill/>
           <a:extLst>
             <a:ext uri="{909E8E84-426E-40dd-AFC4-6F175D3DCCD1}">
-              <a14:hiddenFill xmlns="" xmlns:a14="http://schemas.microsoft.com/office/drawing/2010/main">
+              <a14:hiddenFill xmlns:a14="http://schemas.microsoft.com/office/drawing/2010/main" xmlns="">
                 <a:solidFill>
                   <a:srgbClr val="FFFFFF"/>
                 </a:solidFill>
@@ -9029,7 +9021,7 @@
               </a:ln>
               <a:extLst>
                 <a:ext uri="{91240B29-F687-4f45-9708-019B960494DF}">
-                  <a14:hiddenLine xmlns="" xmlns:a14="http://schemas.microsoft.com/office/drawing/2010/main" w="9525">
+                  <a14:hiddenLine xmlns:a14="http://schemas.microsoft.com/office/drawing/2010/main" xmlns="" w="9525">
                     <a:solidFill>
                       <a:srgbClr val="000000"/>
                     </a:solidFill>
@@ -9119,7 +9111,7 @@
               </a:ln>
               <a:extLst>
                 <a:ext uri="{91240B29-F687-4f45-9708-019B960494DF}">
-                  <a14:hiddenLine xmlns="" xmlns:a14="http://schemas.microsoft.com/office/drawing/2010/main" w="9525">
+                  <a14:hiddenLine xmlns:a14="http://schemas.microsoft.com/office/drawing/2010/main" xmlns="" w="9525">
                     <a:solidFill>
                       <a:srgbClr val="000000"/>
                     </a:solidFill>
@@ -9209,7 +9201,7 @@
               </a:ln>
               <a:extLst>
                 <a:ext uri="{91240B29-F687-4f45-9708-019B960494DF}">
-                  <a14:hiddenLine xmlns="" xmlns:a14="http://schemas.microsoft.com/office/drawing/2010/main" w="9525">
+                  <a14:hiddenLine xmlns:a14="http://schemas.microsoft.com/office/drawing/2010/main" xmlns="" w="9525">
                     <a:solidFill>
                       <a:srgbClr val="000000"/>
                     </a:solidFill>
@@ -9271,7 +9263,7 @@
               </a:ln>
               <a:extLst>
                 <a:ext uri="{91240B29-F687-4f45-9708-019B960494DF}">
-                  <a14:hiddenLine xmlns="" xmlns:a14="http://schemas.microsoft.com/office/drawing/2010/main" w="9525">
+                  <a14:hiddenLine xmlns:a14="http://schemas.microsoft.com/office/drawing/2010/main" xmlns="" w="9525">
                     <a:solidFill>
                       <a:srgbClr val="000000"/>
                     </a:solidFill>
@@ -9361,7 +9353,7 @@
               </a:ln>
               <a:extLst>
                 <a:ext uri="{91240B29-F687-4f45-9708-019B960494DF}">
-                  <a14:hiddenLine xmlns="" xmlns:a14="http://schemas.microsoft.com/office/drawing/2010/main" w="9525">
+                  <a14:hiddenLine xmlns:a14="http://schemas.microsoft.com/office/drawing/2010/main" xmlns="" w="9525">
                     <a:solidFill>
                       <a:srgbClr val="000000"/>
                     </a:solidFill>
@@ -9423,7 +9415,7 @@
               </a:ln>
               <a:extLst>
                 <a:ext uri="{91240B29-F687-4f45-9708-019B960494DF}">
-                  <a14:hiddenLine xmlns="" xmlns:a14="http://schemas.microsoft.com/office/drawing/2010/main" w="9525">
+                  <a14:hiddenLine xmlns:a14="http://schemas.microsoft.com/office/drawing/2010/main" xmlns="" w="9525">
                     <a:solidFill>
                       <a:srgbClr val="000000"/>
                     </a:solidFill>
@@ -9485,7 +9477,7 @@
               </a:ln>
               <a:extLst>
                 <a:ext uri="{91240B29-F687-4f45-9708-019B960494DF}">
-                  <a14:hiddenLine xmlns="" xmlns:a14="http://schemas.microsoft.com/office/drawing/2010/main" w="9525">
+                  <a14:hiddenLine xmlns:a14="http://schemas.microsoft.com/office/drawing/2010/main" xmlns="" w="9525">
                     <a:solidFill>
                       <a:srgbClr val="000000"/>
                     </a:solidFill>
@@ -9575,7 +9567,7 @@
               </a:ln>
               <a:extLst>
                 <a:ext uri="{91240B29-F687-4f45-9708-019B960494DF}">
-                  <a14:hiddenLine xmlns="" xmlns:a14="http://schemas.microsoft.com/office/drawing/2010/main" w="9525">
+                  <a14:hiddenLine xmlns:a14="http://schemas.microsoft.com/office/drawing/2010/main" xmlns="" w="9525">
                     <a:solidFill>
                       <a:srgbClr val="000000"/>
                     </a:solidFill>
@@ -9665,7 +9657,7 @@
               </a:ln>
               <a:extLst>
                 <a:ext uri="{91240B29-F687-4f45-9708-019B960494DF}">
-                  <a14:hiddenLine xmlns="" xmlns:a14="http://schemas.microsoft.com/office/drawing/2010/main" w="9525">
+                  <a14:hiddenLine xmlns:a14="http://schemas.microsoft.com/office/drawing/2010/main" xmlns="" w="9525">
                     <a:solidFill>
                       <a:srgbClr val="000000"/>
                     </a:solidFill>
@@ -9727,7 +9719,7 @@
               </a:ln>
               <a:extLst>
                 <a:ext uri="{91240B29-F687-4f45-9708-019B960494DF}">
-                  <a14:hiddenLine xmlns="" xmlns:a14="http://schemas.microsoft.com/office/drawing/2010/main" w="9525">
+                  <a14:hiddenLine xmlns:a14="http://schemas.microsoft.com/office/drawing/2010/main" xmlns="" w="9525">
                     <a:solidFill>
                       <a:srgbClr val="000000"/>
                     </a:solidFill>
@@ -9837,7 +9829,7 @@
               </a:ln>
               <a:extLst>
                 <a:ext uri="{91240B29-F687-4f45-9708-019B960494DF}">
-                  <a14:hiddenLine xmlns="" xmlns:a14="http://schemas.microsoft.com/office/drawing/2010/main" w="9525">
+                  <a14:hiddenLine xmlns:a14="http://schemas.microsoft.com/office/drawing/2010/main" xmlns="" w="9525">
                     <a:solidFill>
                       <a:srgbClr val="000000"/>
                     </a:solidFill>
@@ -9921,7 +9913,7 @@
               </a:ln>
               <a:extLst>
                 <a:ext uri="{91240B29-F687-4f45-9708-019B960494DF}">
-                  <a14:hiddenLine xmlns="" xmlns:a14="http://schemas.microsoft.com/office/drawing/2010/main" w="9525">
+                  <a14:hiddenLine xmlns:a14="http://schemas.microsoft.com/office/drawing/2010/main" xmlns="" w="9525">
                     <a:solidFill>
                       <a:srgbClr val="000000"/>
                     </a:solidFill>
@@ -9983,7 +9975,7 @@
               </a:ln>
               <a:extLst>
                 <a:ext uri="{91240B29-F687-4f45-9708-019B960494DF}">
-                  <a14:hiddenLine xmlns="" xmlns:a14="http://schemas.microsoft.com/office/drawing/2010/main" w="9525">
+                  <a14:hiddenLine xmlns:a14="http://schemas.microsoft.com/office/drawing/2010/main" xmlns="" w="9525">
                     <a:solidFill>
                       <a:srgbClr val="000000"/>
                     </a:solidFill>
@@ -10045,7 +10037,7 @@
               </a:ln>
               <a:extLst>
                 <a:ext uri="{91240B29-F687-4f45-9708-019B960494DF}">
-                  <a14:hiddenLine xmlns="" xmlns:a14="http://schemas.microsoft.com/office/drawing/2010/main" w="9525">
+                  <a14:hiddenLine xmlns:a14="http://schemas.microsoft.com/office/drawing/2010/main" xmlns="" w="9525">
                     <a:solidFill>
                       <a:srgbClr val="000000"/>
                     </a:solidFill>
@@ -10135,7 +10127,7 @@
               </a:ln>
               <a:extLst>
                 <a:ext uri="{91240B29-F687-4f45-9708-019B960494DF}">
-                  <a14:hiddenLine xmlns="" xmlns:a14="http://schemas.microsoft.com/office/drawing/2010/main" w="9525">
+                  <a14:hiddenLine xmlns:a14="http://schemas.microsoft.com/office/drawing/2010/main" xmlns="" w="9525">
                     <a:solidFill>
                       <a:srgbClr val="000000"/>
                     </a:solidFill>
@@ -10169,7 +10161,7 @@
               </a:ln>
               <a:extLst>
                 <a:ext uri="{91240B29-F687-4f45-9708-019B960494DF}">
-                  <a14:hiddenLine xmlns="" xmlns:a14="http://schemas.microsoft.com/office/drawing/2010/main" w="9525">
+                  <a14:hiddenLine xmlns:a14="http://schemas.microsoft.com/office/drawing/2010/main" xmlns="" w="9525">
                     <a:solidFill>
                       <a:srgbClr val="000000"/>
                     </a:solidFill>
@@ -10234,7 +10226,7 @@
               </a:ln>
               <a:extLst>
                 <a:ext uri="{91240B29-F687-4f45-9708-019B960494DF}">
-                  <a14:hiddenLine xmlns="" xmlns:a14="http://schemas.microsoft.com/office/drawing/2010/main" w="9525">
+                  <a14:hiddenLine xmlns:a14="http://schemas.microsoft.com/office/drawing/2010/main" xmlns="" w="9525">
                     <a:solidFill>
                       <a:srgbClr val="000000"/>
                     </a:solidFill>
@@ -10324,7 +10316,7 @@
               </a:ln>
               <a:extLst>
                 <a:ext uri="{91240B29-F687-4f45-9708-019B960494DF}">
-                  <a14:hiddenLine xmlns="" xmlns:a14="http://schemas.microsoft.com/office/drawing/2010/main" w="9525">
+                  <a14:hiddenLine xmlns:a14="http://schemas.microsoft.com/office/drawing/2010/main" xmlns="" w="9525">
                     <a:solidFill>
                       <a:srgbClr val="000000"/>
                     </a:solidFill>
@@ -10386,7 +10378,7 @@
               </a:ln>
               <a:extLst>
                 <a:ext uri="{91240B29-F687-4f45-9708-019B960494DF}">
-                  <a14:hiddenLine xmlns="" xmlns:a14="http://schemas.microsoft.com/office/drawing/2010/main" w="9525">
+                  <a14:hiddenLine xmlns:a14="http://schemas.microsoft.com/office/drawing/2010/main" xmlns="" w="9525">
                     <a:solidFill>
                       <a:srgbClr val="000000"/>
                     </a:solidFill>
@@ -10476,7 +10468,7 @@
               </a:ln>
               <a:extLst>
                 <a:ext uri="{91240B29-F687-4f45-9708-019B960494DF}">
-                  <a14:hiddenLine xmlns="" xmlns:a14="http://schemas.microsoft.com/office/drawing/2010/main" w="9525">
+                  <a14:hiddenLine xmlns:a14="http://schemas.microsoft.com/office/drawing/2010/main" xmlns="" w="9525">
                     <a:solidFill>
                       <a:srgbClr val="000000"/>
                     </a:solidFill>
@@ -10541,7 +10533,7 @@
               </a:ln>
               <a:extLst>
                 <a:ext uri="{91240B29-F687-4f45-9708-019B960494DF}">
-                  <a14:hiddenLine xmlns="" xmlns:a14="http://schemas.microsoft.com/office/drawing/2010/main" w="9525">
+                  <a14:hiddenLine xmlns:a14="http://schemas.microsoft.com/office/drawing/2010/main" xmlns="" w="9525">
                     <a:solidFill>
                       <a:srgbClr val="000000"/>
                     </a:solidFill>
@@ -10603,7 +10595,7 @@
               </a:ln>
               <a:extLst>
                 <a:ext uri="{91240B29-F687-4f45-9708-019B960494DF}">
-                  <a14:hiddenLine xmlns="" xmlns:a14="http://schemas.microsoft.com/office/drawing/2010/main" w="9525">
+                  <a14:hiddenLine xmlns:a14="http://schemas.microsoft.com/office/drawing/2010/main" xmlns="" w="9525">
                     <a:solidFill>
                       <a:srgbClr val="000000"/>
                     </a:solidFill>
@@ -10693,7 +10685,7 @@
               </a:ln>
               <a:extLst>
                 <a:ext uri="{91240B29-F687-4f45-9708-019B960494DF}">
-                  <a14:hiddenLine xmlns="" xmlns:a14="http://schemas.microsoft.com/office/drawing/2010/main" w="9525">
+                  <a14:hiddenLine xmlns:a14="http://schemas.microsoft.com/office/drawing/2010/main" xmlns="" w="9525">
                     <a:solidFill>
                       <a:srgbClr val="000000"/>
                     </a:solidFill>
@@ -10783,7 +10775,7 @@
               </a:ln>
               <a:extLst>
                 <a:ext uri="{91240B29-F687-4f45-9708-019B960494DF}">
-                  <a14:hiddenLine xmlns="" xmlns:a14="http://schemas.microsoft.com/office/drawing/2010/main" w="9525">
+                  <a14:hiddenLine xmlns:a14="http://schemas.microsoft.com/office/drawing/2010/main" xmlns="" w="9525">
                     <a:solidFill>
                       <a:srgbClr val="000000"/>
                     </a:solidFill>
@@ -10848,7 +10840,7 @@
               </a:ln>
               <a:extLst>
                 <a:ext uri="{91240B29-F687-4f45-9708-019B960494DF}">
-                  <a14:hiddenLine xmlns="" xmlns:a14="http://schemas.microsoft.com/office/drawing/2010/main" w="9525">
+                  <a14:hiddenLine xmlns:a14="http://schemas.microsoft.com/office/drawing/2010/main" xmlns="" w="9525">
                     <a:solidFill>
                       <a:srgbClr val="000000"/>
                     </a:solidFill>
@@ -10968,7 +10960,7 @@
               </a:ln>
               <a:extLst>
                 <a:ext uri="{91240B29-F687-4f45-9708-019B960494DF}">
-                  <a14:hiddenLine xmlns="" xmlns:a14="http://schemas.microsoft.com/office/drawing/2010/main" w="9525">
+                  <a14:hiddenLine xmlns:a14="http://schemas.microsoft.com/office/drawing/2010/main" xmlns="" w="9525">
                     <a:solidFill>
                       <a:srgbClr val="000000"/>
                     </a:solidFill>
@@ -11066,7 +11058,7 @@
               </a:ln>
               <a:extLst>
                 <a:ext uri="{91240B29-F687-4f45-9708-019B960494DF}">
-                  <a14:hiddenLine xmlns="" xmlns:a14="http://schemas.microsoft.com/office/drawing/2010/main" w="9525">
+                  <a14:hiddenLine xmlns:a14="http://schemas.microsoft.com/office/drawing/2010/main" xmlns="" w="9525">
                     <a:solidFill>
                       <a:srgbClr val="000000"/>
                     </a:solidFill>
@@ -11181,7 +11173,7 @@
               </a:ln>
               <a:extLst>
                 <a:ext uri="{91240B29-F687-4f45-9708-019B960494DF}">
-                  <a14:hiddenLine xmlns="" xmlns:a14="http://schemas.microsoft.com/office/drawing/2010/main" w="9525">
+                  <a14:hiddenLine xmlns:a14="http://schemas.microsoft.com/office/drawing/2010/main" xmlns="" w="9525">
                     <a:solidFill>
                       <a:srgbClr val="000000"/>
                     </a:solidFill>
@@ -11271,7 +11263,7 @@
               </a:ln>
               <a:extLst>
                 <a:ext uri="{91240B29-F687-4f45-9708-019B960494DF}">
-                  <a14:hiddenLine xmlns="" xmlns:a14="http://schemas.microsoft.com/office/drawing/2010/main" w="9525">
+                  <a14:hiddenLine xmlns:a14="http://schemas.microsoft.com/office/drawing/2010/main" xmlns="" w="9525">
                     <a:solidFill>
                       <a:srgbClr val="000000"/>
                     </a:solidFill>
@@ -11336,7 +11328,7 @@
               </a:ln>
               <a:extLst>
                 <a:ext uri="{91240B29-F687-4f45-9708-019B960494DF}">
-                  <a14:hiddenLine xmlns="" xmlns:a14="http://schemas.microsoft.com/office/drawing/2010/main" w="9525">
+                  <a14:hiddenLine xmlns:a14="http://schemas.microsoft.com/office/drawing/2010/main" xmlns="" w="9525">
                     <a:solidFill>
                       <a:srgbClr val="000000"/>
                     </a:solidFill>
@@ -11426,7 +11418,7 @@
               </a:ln>
               <a:extLst>
                 <a:ext uri="{91240B29-F687-4f45-9708-019B960494DF}">
-                  <a14:hiddenLine xmlns="" xmlns:a14="http://schemas.microsoft.com/office/drawing/2010/main" w="9525">
+                  <a14:hiddenLine xmlns:a14="http://schemas.microsoft.com/office/drawing/2010/main" xmlns="" w="9525">
                     <a:solidFill>
                       <a:srgbClr val="000000"/>
                     </a:solidFill>
@@ -11494,7 +11486,7 @@
               </a:ln>
               <a:extLst>
                 <a:ext uri="{91240B29-F687-4f45-9708-019B960494DF}">
-                  <a14:hiddenLine xmlns="" xmlns:a14="http://schemas.microsoft.com/office/drawing/2010/main" w="9525">
+                  <a14:hiddenLine xmlns:a14="http://schemas.microsoft.com/office/drawing/2010/main" xmlns="" w="9525">
                     <a:solidFill>
                       <a:srgbClr val="000000"/>
                     </a:solidFill>
@@ -11584,7 +11576,7 @@
               </a:ln>
               <a:extLst>
                 <a:ext uri="{91240B29-F687-4f45-9708-019B960494DF}">
-                  <a14:hiddenLine xmlns="" xmlns:a14="http://schemas.microsoft.com/office/drawing/2010/main" w="9525">
+                  <a14:hiddenLine xmlns:a14="http://schemas.microsoft.com/office/drawing/2010/main" xmlns="" w="9525">
                     <a:solidFill>
                       <a:srgbClr val="000000"/>
                     </a:solidFill>
@@ -11652,7 +11644,7 @@
               </a:ln>
               <a:extLst>
                 <a:ext uri="{91240B29-F687-4f45-9708-019B960494DF}">
-                  <a14:hiddenLine xmlns="" xmlns:a14="http://schemas.microsoft.com/office/drawing/2010/main" w="9525">
+                  <a14:hiddenLine xmlns:a14="http://schemas.microsoft.com/office/drawing/2010/main" xmlns="" w="9525">
                     <a:solidFill>
                       <a:srgbClr val="000000"/>
                     </a:solidFill>
@@ -11742,7 +11734,7 @@
               </a:ln>
               <a:extLst>
                 <a:ext uri="{91240B29-F687-4f45-9708-019B960494DF}">
-                  <a14:hiddenLine xmlns="" xmlns:a14="http://schemas.microsoft.com/office/drawing/2010/main" w="9525">
+                  <a14:hiddenLine xmlns:a14="http://schemas.microsoft.com/office/drawing/2010/main" xmlns="" w="9525">
                     <a:solidFill>
                       <a:srgbClr val="000000"/>
                     </a:solidFill>
@@ -11776,7 +11768,7 @@
               </a:ln>
               <a:extLst>
                 <a:ext uri="{91240B29-F687-4f45-9708-019B960494DF}">
-                  <a14:hiddenLine xmlns="" xmlns:a14="http://schemas.microsoft.com/office/drawing/2010/main" w="9525">
+                  <a14:hiddenLine xmlns:a14="http://schemas.microsoft.com/office/drawing/2010/main" xmlns="" w="9525">
                     <a:solidFill>
                       <a:srgbClr val="000000"/>
                     </a:solidFill>
@@ -11893,7 +11885,7 @@
             <a:fld id="{48A87A34-81AB-432B-8DAE-1953F412C126}" type="datetimeFigureOut">
               <a:rPr lang="en-US" dirty="0"/>
               <a:pPr/>
-              <a:t>11/30/18</a:t>
+              <a:t>12/5/18</a:t>
             </a:fld>
             <a:endParaRPr lang="en-US" dirty="0"/>
           </a:p>
@@ -12951,7 +12943,7 @@
         </p:nvSpPr>
         <p:spPr>
           <a:xfrm>
-            <a:off x="9405258" y="2136774"/>
+            <a:off x="9405258" y="2275672"/>
             <a:ext cx="2991316" cy="3541714"/>
           </a:xfrm>
           <a:prstGeom prst="rect">
@@ -13165,9 +13157,6 @@
           </a:p>
           <a:p>
             <a:pPr lvl="1"/>
-            <a:endParaRPr lang="de-DE" dirty="0"/>
-          </a:p>
-          <a:p>
             <a:endParaRPr lang="de-DE" dirty="0"/>
           </a:p>
         </p:txBody>

--- a/vereinswebseite/Präsentation/Präsentation_Vereinswebseite.pptx
+++ b/vereinswebseite/Präsentation/Präsentation_Vereinswebseite.pptx
@@ -118,6 +118,14 @@
 </p:presentation>
 </file>
 
+<file path=ppt/revisionInfo.xml><?xml version="1.0" encoding="utf-8"?>
+<p1510:revInfo xmlns:a="http://schemas.openxmlformats.org/drawingml/2006/main" xmlns:r="http://schemas.openxmlformats.org/officeDocument/2006/relationships" xmlns:p1510="http://schemas.microsoft.com/office/powerpoint/2015/10/main">
+  <p1510:revLst>
+    <p1510:client id="{C8A56B3C-F137-6347-81A7-34BE1A206DAF}" v="9" dt="2018-11-30T10:29:01.098"/>
+  </p1510:revLst>
+</p1510:revInfo>
+</file>
+
 <file path=ppt/changesInfos/changesInfo1.xml><?xml version="1.0" encoding="utf-8"?>
 <pc:chgInfo xmlns:a="http://schemas.openxmlformats.org/drawingml/2006/main" xmlns:r="http://schemas.openxmlformats.org/officeDocument/2006/relationships" xmlns:ac="http://schemas.microsoft.com/office/drawing/2013/main/command" xmlns:pc="http://schemas.microsoft.com/office/powerpoint/2013/main/command">
   <pc:docChgLst>
@@ -221,7 +229,7 @@
           <a:noFill/>
           <a:extLst>
             <a:ext uri="{909E8E84-426E-40dd-AFC4-6F175D3DCCD1}">
-              <a14:hiddenFill xmlns:a14="http://schemas.microsoft.com/office/drawing/2010/main" xmlns="">
+              <a14:hiddenFill xmlns="" xmlns:a14="http://schemas.microsoft.com/office/drawing/2010/main">
                 <a:solidFill>
                   <a:srgbClr val="FFFFFF"/>
                 </a:solidFill>
@@ -281,7 +289,7 @@
             </a:ln>
             <a:extLst>
               <a:ext uri="{91240B29-F687-4f45-9708-019B960494DF}">
-                <a14:hiddenLine xmlns:a14="http://schemas.microsoft.com/office/drawing/2010/main" xmlns="" w="9525">
+                <a14:hiddenLine xmlns="" xmlns:a14="http://schemas.microsoft.com/office/drawing/2010/main" w="9525">
                   <a:solidFill>
                     <a:srgbClr val="000000"/>
                   </a:solidFill>
@@ -371,7 +379,7 @@
             </a:ln>
             <a:extLst>
               <a:ext uri="{91240B29-F687-4f45-9708-019B960494DF}">
-                <a14:hiddenLine xmlns:a14="http://schemas.microsoft.com/office/drawing/2010/main" xmlns="" w="9525">
+                <a14:hiddenLine xmlns="" xmlns:a14="http://schemas.microsoft.com/office/drawing/2010/main" w="9525">
                   <a:solidFill>
                     <a:srgbClr val="000000"/>
                   </a:solidFill>
@@ -461,7 +469,7 @@
             </a:ln>
             <a:extLst>
               <a:ext uri="{91240B29-F687-4f45-9708-019B960494DF}">
-                <a14:hiddenLine xmlns:a14="http://schemas.microsoft.com/office/drawing/2010/main" xmlns="" w="9525">
+                <a14:hiddenLine xmlns="" xmlns:a14="http://schemas.microsoft.com/office/drawing/2010/main" w="9525">
                   <a:solidFill>
                     <a:srgbClr val="000000"/>
                   </a:solidFill>
@@ -495,7 +503,7 @@
             </a:ln>
             <a:extLst>
               <a:ext uri="{91240B29-F687-4f45-9708-019B960494DF}">
-                <a14:hiddenLine xmlns:a14="http://schemas.microsoft.com/office/drawing/2010/main" xmlns="" w="9525">
+                <a14:hiddenLine xmlns="" xmlns:a14="http://schemas.microsoft.com/office/drawing/2010/main" w="9525">
                   <a:solidFill>
                     <a:srgbClr val="000000"/>
                   </a:solidFill>
@@ -585,7 +593,7 @@
             </a:ln>
             <a:extLst>
               <a:ext uri="{91240B29-F687-4f45-9708-019B960494DF}">
-                <a14:hiddenLine xmlns:a14="http://schemas.microsoft.com/office/drawing/2010/main" xmlns="" w="9525">
+                <a14:hiddenLine xmlns="" xmlns:a14="http://schemas.microsoft.com/office/drawing/2010/main" w="9525">
                   <a:solidFill>
                     <a:srgbClr val="000000"/>
                   </a:solidFill>
@@ -647,7 +655,7 @@
             </a:ln>
             <a:extLst>
               <a:ext uri="{91240B29-F687-4f45-9708-019B960494DF}">
-                <a14:hiddenLine xmlns:a14="http://schemas.microsoft.com/office/drawing/2010/main" xmlns="" w="9525">
+                <a14:hiddenLine xmlns="" xmlns:a14="http://schemas.microsoft.com/office/drawing/2010/main" w="9525">
                   <a:solidFill>
                     <a:srgbClr val="000000"/>
                   </a:solidFill>
@@ -709,7 +717,7 @@
             </a:ln>
             <a:extLst>
               <a:ext uri="{91240B29-F687-4f45-9708-019B960494DF}">
-                <a14:hiddenLine xmlns:a14="http://schemas.microsoft.com/office/drawing/2010/main" xmlns="" w="9525">
+                <a14:hiddenLine xmlns="" xmlns:a14="http://schemas.microsoft.com/office/drawing/2010/main" w="9525">
                   <a:solidFill>
                     <a:srgbClr val="000000"/>
                   </a:solidFill>
@@ -799,7 +807,7 @@
             </a:ln>
             <a:extLst>
               <a:ext uri="{91240B29-F687-4f45-9708-019B960494DF}">
-                <a14:hiddenLine xmlns:a14="http://schemas.microsoft.com/office/drawing/2010/main" xmlns="" w="9525">
+                <a14:hiddenLine xmlns="" xmlns:a14="http://schemas.microsoft.com/office/drawing/2010/main" w="9525">
                   <a:solidFill>
                     <a:srgbClr val="000000"/>
                   </a:solidFill>
@@ -861,7 +869,7 @@
             </a:ln>
             <a:extLst>
               <a:ext uri="{91240B29-F687-4f45-9708-019B960494DF}">
-                <a14:hiddenLine xmlns:a14="http://schemas.microsoft.com/office/drawing/2010/main" xmlns="" w="9525">
+                <a14:hiddenLine xmlns="" xmlns:a14="http://schemas.microsoft.com/office/drawing/2010/main" w="9525">
                   <a:solidFill>
                     <a:srgbClr val="000000"/>
                   </a:solidFill>
@@ -923,7 +931,7 @@
             </a:ln>
             <a:extLst>
               <a:ext uri="{91240B29-F687-4f45-9708-019B960494DF}">
-                <a14:hiddenLine xmlns:a14="http://schemas.microsoft.com/office/drawing/2010/main" xmlns="" w="9525">
+                <a14:hiddenLine xmlns="" xmlns:a14="http://schemas.microsoft.com/office/drawing/2010/main" w="9525">
                   <a:solidFill>
                     <a:srgbClr val="000000"/>
                   </a:solidFill>
@@ -1013,7 +1021,7 @@
             </a:ln>
             <a:extLst>
               <a:ext uri="{91240B29-F687-4f45-9708-019B960494DF}">
-                <a14:hiddenLine xmlns:a14="http://schemas.microsoft.com/office/drawing/2010/main" xmlns="" w="9525">
+                <a14:hiddenLine xmlns="" xmlns:a14="http://schemas.microsoft.com/office/drawing/2010/main" w="9525">
                   <a:solidFill>
                     <a:srgbClr val="000000"/>
                   </a:solidFill>
@@ -1103,7 +1111,7 @@
             </a:ln>
             <a:extLst>
               <a:ext uri="{91240B29-F687-4f45-9708-019B960494DF}">
-                <a14:hiddenLine xmlns:a14="http://schemas.microsoft.com/office/drawing/2010/main" xmlns="" w="9525">
+                <a14:hiddenLine xmlns="" xmlns:a14="http://schemas.microsoft.com/office/drawing/2010/main" w="9525">
                   <a:solidFill>
                     <a:srgbClr val="000000"/>
                   </a:solidFill>
@@ -1165,7 +1173,7 @@
             </a:ln>
             <a:extLst>
               <a:ext uri="{91240B29-F687-4f45-9708-019B960494DF}">
-                <a14:hiddenLine xmlns:a14="http://schemas.microsoft.com/office/drawing/2010/main" xmlns="" w="9525">
+                <a14:hiddenLine xmlns="" xmlns:a14="http://schemas.microsoft.com/office/drawing/2010/main" w="9525">
                   <a:solidFill>
                     <a:srgbClr val="000000"/>
                   </a:solidFill>
@@ -1275,7 +1283,7 @@
             </a:ln>
             <a:extLst>
               <a:ext uri="{91240B29-F687-4f45-9708-019B960494DF}">
-                <a14:hiddenLine xmlns:a14="http://schemas.microsoft.com/office/drawing/2010/main" xmlns="" w="9525">
+                <a14:hiddenLine xmlns="" xmlns:a14="http://schemas.microsoft.com/office/drawing/2010/main" w="9525">
                   <a:solidFill>
                     <a:srgbClr val="000000"/>
                   </a:solidFill>
@@ -1337,7 +1345,7 @@
             </a:ln>
             <a:extLst>
               <a:ext uri="{91240B29-F687-4f45-9708-019B960494DF}">
-                <a14:hiddenLine xmlns:a14="http://schemas.microsoft.com/office/drawing/2010/main" xmlns="" w="9525">
+                <a14:hiddenLine xmlns="" xmlns:a14="http://schemas.microsoft.com/office/drawing/2010/main" w="9525">
                   <a:solidFill>
                     <a:srgbClr val="000000"/>
                   </a:solidFill>
@@ -1427,7 +1435,7 @@
             </a:ln>
             <a:extLst>
               <a:ext uri="{91240B29-F687-4f45-9708-019B960494DF}">
-                <a14:hiddenLine xmlns:a14="http://schemas.microsoft.com/office/drawing/2010/main" xmlns="" w="9525">
+                <a14:hiddenLine xmlns="" xmlns:a14="http://schemas.microsoft.com/office/drawing/2010/main" w="9525">
                   <a:solidFill>
                     <a:srgbClr val="000000"/>
                   </a:solidFill>
@@ -1517,7 +1525,7 @@
             </a:ln>
             <a:extLst>
               <a:ext uri="{91240B29-F687-4f45-9708-019B960494DF}">
-                <a14:hiddenLine xmlns:a14="http://schemas.microsoft.com/office/drawing/2010/main" xmlns="" w="9525">
+                <a14:hiddenLine xmlns="" xmlns:a14="http://schemas.microsoft.com/office/drawing/2010/main" w="9525">
                   <a:solidFill>
                     <a:srgbClr val="000000"/>
                   </a:solidFill>
@@ -1579,7 +1587,7 @@
             </a:ln>
             <a:extLst>
               <a:ext uri="{91240B29-F687-4f45-9708-019B960494DF}">
-                <a14:hiddenLine xmlns:a14="http://schemas.microsoft.com/office/drawing/2010/main" xmlns="" w="9525">
+                <a14:hiddenLine xmlns="" xmlns:a14="http://schemas.microsoft.com/office/drawing/2010/main" w="9525">
                   <a:solidFill>
                     <a:srgbClr val="000000"/>
                   </a:solidFill>
@@ -1669,7 +1677,7 @@
             </a:ln>
             <a:extLst>
               <a:ext uri="{91240B29-F687-4f45-9708-019B960494DF}">
-                <a14:hiddenLine xmlns:a14="http://schemas.microsoft.com/office/drawing/2010/main" xmlns="" w="9525">
+                <a14:hiddenLine xmlns="" xmlns:a14="http://schemas.microsoft.com/office/drawing/2010/main" w="9525">
                   <a:solidFill>
                     <a:srgbClr val="000000"/>
                   </a:solidFill>
@@ -1759,7 +1767,7 @@
             </a:ln>
             <a:extLst>
               <a:ext uri="{91240B29-F687-4f45-9708-019B960494DF}">
-                <a14:hiddenLine xmlns:a14="http://schemas.microsoft.com/office/drawing/2010/main" xmlns="" w="9525">
+                <a14:hiddenLine xmlns="" xmlns:a14="http://schemas.microsoft.com/office/drawing/2010/main" w="9525">
                   <a:solidFill>
                     <a:srgbClr val="000000"/>
                   </a:solidFill>
@@ -1815,7 +1823,7 @@
             </a:ln>
             <a:extLst>
               <a:ext uri="{91240B29-F687-4f45-9708-019B960494DF}">
-                <a14:hiddenLine xmlns:a14="http://schemas.microsoft.com/office/drawing/2010/main" xmlns="" w="9525">
+                <a14:hiddenLine xmlns="" xmlns:a14="http://schemas.microsoft.com/office/drawing/2010/main" w="9525">
                   <a:solidFill>
                     <a:srgbClr val="000000"/>
                   </a:solidFill>
@@ -1905,7 +1913,7 @@
             </a:ln>
             <a:extLst>
               <a:ext uri="{91240B29-F687-4f45-9708-019B960494DF}">
-                <a14:hiddenLine xmlns:a14="http://schemas.microsoft.com/office/drawing/2010/main" xmlns="" w="9525">
+                <a14:hiddenLine xmlns="" xmlns:a14="http://schemas.microsoft.com/office/drawing/2010/main" w="9525">
                   <a:solidFill>
                     <a:srgbClr val="000000"/>
                   </a:solidFill>
@@ -1961,7 +1969,7 @@
             </a:ln>
             <a:extLst>
               <a:ext uri="{91240B29-F687-4f45-9708-019B960494DF}">
-                <a14:hiddenLine xmlns:a14="http://schemas.microsoft.com/office/drawing/2010/main" xmlns="" w="9525">
+                <a14:hiddenLine xmlns="" xmlns:a14="http://schemas.microsoft.com/office/drawing/2010/main" w="9525">
                   <a:solidFill>
                     <a:srgbClr val="000000"/>
                   </a:solidFill>
@@ -2051,7 +2059,7 @@
             </a:ln>
             <a:extLst>
               <a:ext uri="{91240B29-F687-4f45-9708-019B960494DF}">
-                <a14:hiddenLine xmlns:a14="http://schemas.microsoft.com/office/drawing/2010/main" xmlns="" w="9525">
+                <a14:hiddenLine xmlns="" xmlns:a14="http://schemas.microsoft.com/office/drawing/2010/main" w="9525">
                   <a:solidFill>
                     <a:srgbClr val="000000"/>
                   </a:solidFill>
@@ -2119,7 +2127,7 @@
             </a:ln>
             <a:extLst>
               <a:ext uri="{91240B29-F687-4f45-9708-019B960494DF}">
-                <a14:hiddenLine xmlns:a14="http://schemas.microsoft.com/office/drawing/2010/main" xmlns="" w="9525">
+                <a14:hiddenLine xmlns="" xmlns:a14="http://schemas.microsoft.com/office/drawing/2010/main" w="9525">
                   <a:solidFill>
                     <a:srgbClr val="000000"/>
                   </a:solidFill>
@@ -2209,7 +2217,7 @@
             </a:ln>
             <a:extLst>
               <a:ext uri="{91240B29-F687-4f45-9708-019B960494DF}">
-                <a14:hiddenLine xmlns:a14="http://schemas.microsoft.com/office/drawing/2010/main" xmlns="" w="9525">
+                <a14:hiddenLine xmlns="" xmlns:a14="http://schemas.microsoft.com/office/drawing/2010/main" w="9525">
                   <a:solidFill>
                     <a:srgbClr val="000000"/>
                   </a:solidFill>
@@ -2277,7 +2285,7 @@
             </a:ln>
             <a:extLst>
               <a:ext uri="{91240B29-F687-4f45-9708-019B960494DF}">
-                <a14:hiddenLine xmlns:a14="http://schemas.microsoft.com/office/drawing/2010/main" xmlns="" w="9525">
+                <a14:hiddenLine xmlns="" xmlns:a14="http://schemas.microsoft.com/office/drawing/2010/main" w="9525">
                   <a:solidFill>
                     <a:srgbClr val="000000"/>
                   </a:solidFill>
@@ -2367,7 +2375,7 @@
             </a:ln>
             <a:extLst>
               <a:ext uri="{91240B29-F687-4f45-9708-019B960494DF}">
-                <a14:hiddenLine xmlns:a14="http://schemas.microsoft.com/office/drawing/2010/main" xmlns="" w="9525">
+                <a14:hiddenLine xmlns="" xmlns:a14="http://schemas.microsoft.com/office/drawing/2010/main" w="9525">
                   <a:solidFill>
                     <a:srgbClr val="000000"/>
                   </a:solidFill>
@@ -2401,7 +2409,7 @@
             </a:ln>
             <a:extLst>
               <a:ext uri="{91240B29-F687-4f45-9708-019B960494DF}">
-                <a14:hiddenLine xmlns:a14="http://schemas.microsoft.com/office/drawing/2010/main" xmlns="" w="9525">
+                <a14:hiddenLine xmlns="" xmlns:a14="http://schemas.microsoft.com/office/drawing/2010/main" w="9525">
                   <a:solidFill>
                     <a:srgbClr val="000000"/>
                   </a:solidFill>
@@ -2491,7 +2499,7 @@
             </a:ln>
             <a:extLst>
               <a:ext uri="{91240B29-F687-4f45-9708-019B960494DF}">
-                <a14:hiddenLine xmlns:a14="http://schemas.microsoft.com/office/drawing/2010/main" xmlns="" w="9525">
+                <a14:hiddenLine xmlns="" xmlns:a14="http://schemas.microsoft.com/office/drawing/2010/main" w="9525">
                   <a:solidFill>
                     <a:srgbClr val="000000"/>
                   </a:solidFill>
@@ -2553,7 +2561,7 @@
             </a:ln>
             <a:extLst>
               <a:ext uri="{91240B29-F687-4f45-9708-019B960494DF}">
-                <a14:hiddenLine xmlns:a14="http://schemas.microsoft.com/office/drawing/2010/main" xmlns="" w="9525">
+                <a14:hiddenLine xmlns="" xmlns:a14="http://schemas.microsoft.com/office/drawing/2010/main" w="9525">
                   <a:solidFill>
                     <a:srgbClr val="000000"/>
                   </a:solidFill>
@@ -2615,7 +2623,7 @@
             </a:ln>
             <a:extLst>
               <a:ext uri="{91240B29-F687-4f45-9708-019B960494DF}">
-                <a14:hiddenLine xmlns:a14="http://schemas.microsoft.com/office/drawing/2010/main" xmlns="" w="9525">
+                <a14:hiddenLine xmlns="" xmlns:a14="http://schemas.microsoft.com/office/drawing/2010/main" w="9525">
                   <a:solidFill>
                     <a:srgbClr val="000000"/>
                   </a:solidFill>
@@ -2705,7 +2713,7 @@
             </a:ln>
             <a:extLst>
               <a:ext uri="{91240B29-F687-4f45-9708-019B960494DF}">
-                <a14:hiddenLine xmlns:a14="http://schemas.microsoft.com/office/drawing/2010/main" xmlns="" w="9525">
+                <a14:hiddenLine xmlns="" xmlns:a14="http://schemas.microsoft.com/office/drawing/2010/main" w="9525">
                   <a:solidFill>
                     <a:srgbClr val="000000"/>
                   </a:solidFill>
@@ -2773,7 +2781,7 @@
             </a:ln>
             <a:extLst>
               <a:ext uri="{91240B29-F687-4f45-9708-019B960494DF}">
-                <a14:hiddenLine xmlns:a14="http://schemas.microsoft.com/office/drawing/2010/main" xmlns="" w="9525">
+                <a14:hiddenLine xmlns="" xmlns:a14="http://schemas.microsoft.com/office/drawing/2010/main" w="9525">
                   <a:solidFill>
                     <a:srgbClr val="000000"/>
                   </a:solidFill>
@@ -2835,7 +2843,7 @@
             </a:ln>
             <a:extLst>
               <a:ext uri="{91240B29-F687-4f45-9708-019B960494DF}">
-                <a14:hiddenLine xmlns:a14="http://schemas.microsoft.com/office/drawing/2010/main" xmlns="" w="9525">
+                <a14:hiddenLine xmlns="" xmlns:a14="http://schemas.microsoft.com/office/drawing/2010/main" w="9525">
                   <a:solidFill>
                     <a:srgbClr val="000000"/>
                   </a:solidFill>
@@ -2925,7 +2933,7 @@
             </a:ln>
             <a:extLst>
               <a:ext uri="{91240B29-F687-4f45-9708-019B960494DF}">
-                <a14:hiddenLine xmlns:a14="http://schemas.microsoft.com/office/drawing/2010/main" xmlns="" w="9525">
+                <a14:hiddenLine xmlns="" xmlns:a14="http://schemas.microsoft.com/office/drawing/2010/main" w="9525">
                   <a:solidFill>
                     <a:srgbClr val="000000"/>
                   </a:solidFill>
@@ -2987,7 +2995,7 @@
             </a:ln>
             <a:extLst>
               <a:ext uri="{91240B29-F687-4f45-9708-019B960494DF}">
-                <a14:hiddenLine xmlns:a14="http://schemas.microsoft.com/office/drawing/2010/main" xmlns="" w="9525">
+                <a14:hiddenLine xmlns="" xmlns:a14="http://schemas.microsoft.com/office/drawing/2010/main" w="9525">
                   <a:solidFill>
                     <a:srgbClr val="000000"/>
                   </a:solidFill>
@@ -3077,7 +3085,7 @@
             </a:ln>
             <a:extLst>
               <a:ext uri="{91240B29-F687-4f45-9708-019B960494DF}">
-                <a14:hiddenLine xmlns:a14="http://schemas.microsoft.com/office/drawing/2010/main" xmlns="" w="9525">
+                <a14:hiddenLine xmlns="" xmlns:a14="http://schemas.microsoft.com/office/drawing/2010/main" w="9525">
                   <a:solidFill>
                     <a:srgbClr val="000000"/>
                   </a:solidFill>
@@ -3139,7 +3147,7 @@
             </a:ln>
             <a:extLst>
               <a:ext uri="{91240B29-F687-4f45-9708-019B960494DF}">
-                <a14:hiddenLine xmlns:a14="http://schemas.microsoft.com/office/drawing/2010/main" xmlns="" w="9525">
+                <a14:hiddenLine xmlns="" xmlns:a14="http://schemas.microsoft.com/office/drawing/2010/main" w="9525">
                   <a:solidFill>
                     <a:srgbClr val="000000"/>
                   </a:solidFill>
@@ -3229,7 +3237,7 @@
             </a:ln>
             <a:extLst>
               <a:ext uri="{91240B29-F687-4f45-9708-019B960494DF}">
-                <a14:hiddenLine xmlns:a14="http://schemas.microsoft.com/office/drawing/2010/main" xmlns="" w="9525">
+                <a14:hiddenLine xmlns="" xmlns:a14="http://schemas.microsoft.com/office/drawing/2010/main" w="9525">
                   <a:solidFill>
                     <a:srgbClr val="000000"/>
                   </a:solidFill>
@@ -3263,7 +3271,7 @@
             </a:ln>
             <a:extLst>
               <a:ext uri="{91240B29-F687-4f45-9708-019B960494DF}">
-                <a14:hiddenLine xmlns:a14="http://schemas.microsoft.com/office/drawing/2010/main" xmlns="" w="9525">
+                <a14:hiddenLine xmlns="" xmlns:a14="http://schemas.microsoft.com/office/drawing/2010/main" w="9525">
                   <a:solidFill>
                     <a:srgbClr val="000000"/>
                   </a:solidFill>
@@ -3328,7 +3336,7 @@
             </a:ln>
             <a:extLst>
               <a:ext uri="{91240B29-F687-4f45-9708-019B960494DF}">
-                <a14:hiddenLine xmlns:a14="http://schemas.microsoft.com/office/drawing/2010/main" xmlns="" w="9525">
+                <a14:hiddenLine xmlns="" xmlns:a14="http://schemas.microsoft.com/office/drawing/2010/main" w="9525">
                   <a:solidFill>
                     <a:srgbClr val="000000"/>
                   </a:solidFill>
@@ -3418,7 +3426,7 @@
             </a:ln>
             <a:extLst>
               <a:ext uri="{91240B29-F687-4f45-9708-019B960494DF}">
-                <a14:hiddenLine xmlns:a14="http://schemas.microsoft.com/office/drawing/2010/main" xmlns="" w="9525">
+                <a14:hiddenLine xmlns="" xmlns:a14="http://schemas.microsoft.com/office/drawing/2010/main" w="9525">
                   <a:solidFill>
                     <a:srgbClr val="000000"/>
                   </a:solidFill>
@@ -3480,7 +3488,7 @@
             </a:ln>
             <a:extLst>
               <a:ext uri="{91240B29-F687-4f45-9708-019B960494DF}">
-                <a14:hiddenLine xmlns:a14="http://schemas.microsoft.com/office/drawing/2010/main" xmlns="" w="9525">
+                <a14:hiddenLine xmlns="" xmlns:a14="http://schemas.microsoft.com/office/drawing/2010/main" w="9525">
                   <a:solidFill>
                     <a:srgbClr val="000000"/>
                   </a:solidFill>
@@ -3570,7 +3578,7 @@
             </a:ln>
             <a:extLst>
               <a:ext uri="{91240B29-F687-4f45-9708-019B960494DF}">
-                <a14:hiddenLine xmlns:a14="http://schemas.microsoft.com/office/drawing/2010/main" xmlns="" w="9525">
+                <a14:hiddenLine xmlns="" xmlns:a14="http://schemas.microsoft.com/office/drawing/2010/main" w="9525">
                   <a:solidFill>
                     <a:srgbClr val="000000"/>
                   </a:solidFill>
@@ -3660,7 +3668,7 @@
             </a:ln>
             <a:extLst>
               <a:ext uri="{91240B29-F687-4f45-9708-019B960494DF}">
-                <a14:hiddenLine xmlns:a14="http://schemas.microsoft.com/office/drawing/2010/main" xmlns="" w="9525">
+                <a14:hiddenLine xmlns="" xmlns:a14="http://schemas.microsoft.com/office/drawing/2010/main" w="9525">
                   <a:solidFill>
                     <a:srgbClr val="000000"/>
                   </a:solidFill>
@@ -3725,7 +3733,7 @@
             </a:ln>
             <a:extLst>
               <a:ext uri="{91240B29-F687-4f45-9708-019B960494DF}">
-                <a14:hiddenLine xmlns:a14="http://schemas.microsoft.com/office/drawing/2010/main" xmlns="" w="9525">
+                <a14:hiddenLine xmlns="" xmlns:a14="http://schemas.microsoft.com/office/drawing/2010/main" w="9525">
                   <a:solidFill>
                     <a:srgbClr val="000000"/>
                   </a:solidFill>
@@ -3787,7 +3795,7 @@
             </a:ln>
             <a:extLst>
               <a:ext uri="{91240B29-F687-4f45-9708-019B960494DF}">
-                <a14:hiddenLine xmlns:a14="http://schemas.microsoft.com/office/drawing/2010/main" xmlns="" w="9525">
+                <a14:hiddenLine xmlns="" xmlns:a14="http://schemas.microsoft.com/office/drawing/2010/main" w="9525">
                   <a:solidFill>
                     <a:srgbClr val="000000"/>
                   </a:solidFill>
@@ -3877,7 +3885,7 @@
             </a:ln>
             <a:extLst>
               <a:ext uri="{91240B29-F687-4f45-9708-019B960494DF}">
-                <a14:hiddenLine xmlns:a14="http://schemas.microsoft.com/office/drawing/2010/main" xmlns="" w="9525">
+                <a14:hiddenLine xmlns="" xmlns:a14="http://schemas.microsoft.com/office/drawing/2010/main" w="9525">
                   <a:solidFill>
                     <a:srgbClr val="000000"/>
                   </a:solidFill>
@@ -3967,7 +3975,7 @@
             </a:ln>
             <a:extLst>
               <a:ext uri="{91240B29-F687-4f45-9708-019B960494DF}">
-                <a14:hiddenLine xmlns:a14="http://schemas.microsoft.com/office/drawing/2010/main" xmlns="" w="9525">
+                <a14:hiddenLine xmlns="" xmlns:a14="http://schemas.microsoft.com/office/drawing/2010/main" w="9525">
                   <a:solidFill>
                     <a:srgbClr val="000000"/>
                   </a:solidFill>
@@ -4029,7 +4037,7 @@
             </a:ln>
             <a:extLst>
               <a:ext uri="{91240B29-F687-4f45-9708-019B960494DF}">
-                <a14:hiddenLine xmlns:a14="http://schemas.microsoft.com/office/drawing/2010/main" xmlns="" w="9525">
+                <a14:hiddenLine xmlns="" xmlns:a14="http://schemas.microsoft.com/office/drawing/2010/main" w="9525">
                   <a:solidFill>
                     <a:srgbClr val="000000"/>
                   </a:solidFill>
@@ -4149,7 +4157,7 @@
             </a:ln>
             <a:extLst>
               <a:ext uri="{91240B29-F687-4f45-9708-019B960494DF}">
-                <a14:hiddenLine xmlns:a14="http://schemas.microsoft.com/office/drawing/2010/main" xmlns="" w="9525">
+                <a14:hiddenLine xmlns="" xmlns:a14="http://schemas.microsoft.com/office/drawing/2010/main" w="9525">
                   <a:solidFill>
                     <a:srgbClr val="000000"/>
                   </a:solidFill>
@@ -4217,7 +4225,7 @@
             </a:ln>
             <a:extLst>
               <a:ext uri="{91240B29-F687-4f45-9708-019B960494DF}">
-                <a14:hiddenLine xmlns:a14="http://schemas.microsoft.com/office/drawing/2010/main" xmlns="" w="9525">
+                <a14:hiddenLine xmlns="" xmlns:a14="http://schemas.microsoft.com/office/drawing/2010/main" w="9525">
                   <a:solidFill>
                     <a:srgbClr val="000000"/>
                   </a:solidFill>
@@ -4307,7 +4315,7 @@
             </a:ln>
             <a:extLst>
               <a:ext uri="{91240B29-F687-4f45-9708-019B960494DF}">
-                <a14:hiddenLine xmlns:a14="http://schemas.microsoft.com/office/drawing/2010/main" xmlns="" w="9525">
+                <a14:hiddenLine xmlns="" xmlns:a14="http://schemas.microsoft.com/office/drawing/2010/main" w="9525">
                   <a:solidFill>
                     <a:srgbClr val="000000"/>
                   </a:solidFill>
@@ -4447,7 +4455,7 @@
           <a:p>
             <a:fld id="{48A87A34-81AB-432B-8DAE-1953F412C126}" type="datetimeFigureOut">
               <a:rPr lang="en-US" dirty="0"/>
-              <a:t>12/5/18</a:t>
+              <a:t>11/30/18</a:t>
             </a:fld>
             <a:endParaRPr lang="en-US" dirty="0"/>
           </a:p>
@@ -4714,7 +4722,7 @@
           <a:p>
             <a:fld id="{48A87A34-81AB-432B-8DAE-1953F412C126}" type="datetimeFigureOut">
               <a:rPr lang="en-US" dirty="0"/>
-              <a:t>12/5/18</a:t>
+              <a:t>11/30/18</a:t>
             </a:fld>
             <a:endParaRPr lang="en-US" dirty="0"/>
           </a:p>
@@ -4910,7 +4918,7 @@
           <a:p>
             <a:fld id="{48A87A34-81AB-432B-8DAE-1953F412C126}" type="datetimeFigureOut">
               <a:rPr lang="en-US" dirty="0"/>
-              <a:t>12/5/18</a:t>
+              <a:t>11/30/18</a:t>
             </a:fld>
             <a:endParaRPr lang="en-US" dirty="0"/>
           </a:p>
@@ -5178,7 +5186,7 @@
           <a:p>
             <a:fld id="{48A87A34-81AB-432B-8DAE-1953F412C126}" type="datetimeFigureOut">
               <a:rPr lang="en-US" dirty="0"/>
-              <a:t>12/5/18</a:t>
+              <a:t>11/30/18</a:t>
             </a:fld>
             <a:endParaRPr lang="en-US" dirty="0"/>
           </a:p>
@@ -5612,7 +5620,7 @@
           <a:p>
             <a:fld id="{48A87A34-81AB-432B-8DAE-1953F412C126}" type="datetimeFigureOut">
               <a:rPr lang="en-US" dirty="0"/>
-              <a:t>12/5/18</a:t>
+              <a:t>11/30/18</a:t>
             </a:fld>
             <a:endParaRPr lang="en-US" dirty="0"/>
           </a:p>
@@ -6183,7 +6191,7 @@
           <a:p>
             <a:fld id="{48A87A34-81AB-432B-8DAE-1953F412C126}" type="datetimeFigureOut">
               <a:rPr lang="en-US" dirty="0"/>
-              <a:t>12/5/18</a:t>
+              <a:t>11/30/18</a:t>
             </a:fld>
             <a:endParaRPr lang="en-US" dirty="0"/>
           </a:p>
@@ -6928,7 +6936,7 @@
           <a:p>
             <a:fld id="{48A87A34-81AB-432B-8DAE-1953F412C126}" type="datetimeFigureOut">
               <a:rPr lang="en-US" dirty="0"/>
-              <a:t>12/5/18</a:t>
+              <a:t>11/30/18</a:t>
             </a:fld>
             <a:endParaRPr lang="en-US" dirty="0"/>
           </a:p>
@@ -7069,7 +7077,7 @@
           <a:p>
             <a:fld id="{48A87A34-81AB-432B-8DAE-1953F412C126}" type="datetimeFigureOut">
               <a:rPr lang="en-US" dirty="0"/>
-              <a:t>12/5/18</a:t>
+              <a:t>11/30/18</a:t>
             </a:fld>
             <a:endParaRPr lang="en-US" dirty="0"/>
           </a:p>
@@ -7220,7 +7228,7 @@
           <a:p>
             <a:fld id="{48A87A34-81AB-432B-8DAE-1953F412C126}" type="datetimeFigureOut">
               <a:rPr lang="en-US" dirty="0"/>
-              <a:t>12/5/18</a:t>
+              <a:t>11/30/18</a:t>
             </a:fld>
             <a:endParaRPr lang="en-US" dirty="0"/>
           </a:p>
@@ -7361,7 +7369,7 @@
           <a:p>
             <a:fld id="{48A87A34-81AB-432B-8DAE-1953F412C126}" type="datetimeFigureOut">
               <a:rPr lang="en-US" dirty="0"/>
-              <a:t>12/5/18</a:t>
+              <a:t>11/30/18</a:t>
             </a:fld>
             <a:endParaRPr lang="en-US" dirty="0"/>
           </a:p>
@@ -7611,7 +7619,7 @@
           <a:p>
             <a:fld id="{48A87A34-81AB-432B-8DAE-1953F412C126}" type="datetimeFigureOut">
               <a:rPr lang="en-US" dirty="0"/>
-              <a:t>12/5/18</a:t>
+              <a:t>11/30/18</a:t>
             </a:fld>
             <a:endParaRPr lang="en-US" dirty="0"/>
           </a:p>
@@ -7790,7 +7798,7 @@
           <a:p>
             <a:fld id="{48A87A34-81AB-432B-8DAE-1953F412C126}" type="datetimeFigureOut">
               <a:rPr lang="en-US" dirty="0"/>
-              <a:t>12/5/18</a:t>
+              <a:t>11/30/18</a:t>
             </a:fld>
             <a:endParaRPr lang="en-US" dirty="0"/>
           </a:p>
@@ -8128,7 +8136,7 @@
           <a:p>
             <a:fld id="{48A87A34-81AB-432B-8DAE-1953F412C126}" type="datetimeFigureOut">
               <a:rPr lang="en-US" dirty="0"/>
-              <a:t>12/5/18</a:t>
+              <a:t>11/30/18</a:t>
             </a:fld>
             <a:endParaRPr lang="en-US" dirty="0"/>
           </a:p>
@@ -8241,7 +8249,7 @@
           <a:p>
             <a:fld id="{48A87A34-81AB-432B-8DAE-1953F412C126}" type="datetimeFigureOut">
               <a:rPr lang="en-US" dirty="0"/>
-              <a:t>12/5/18</a:t>
+              <a:t>11/30/18</a:t>
             </a:fld>
             <a:endParaRPr lang="en-US" dirty="0"/>
           </a:p>
@@ -8331,7 +8339,7 @@
           <a:p>
             <a:fld id="{48A87A34-81AB-432B-8DAE-1953F412C126}" type="datetimeFigureOut">
               <a:rPr lang="en-US" dirty="0"/>
-              <a:t>12/5/18</a:t>
+              <a:t>11/30/18</a:t>
             </a:fld>
             <a:endParaRPr lang="en-US" dirty="0"/>
           </a:p>
@@ -8556,7 +8564,7 @@
           <a:p>
             <a:fld id="{48A87A34-81AB-432B-8DAE-1953F412C126}" type="datetimeFigureOut">
               <a:rPr lang="en-US" dirty="0"/>
-              <a:t>12/5/18</a:t>
+              <a:t>11/30/18</a:t>
             </a:fld>
             <a:endParaRPr lang="en-US" dirty="0"/>
           </a:p>
@@ -8836,7 +8844,7 @@
           <a:p>
             <a:fld id="{48A87A34-81AB-432B-8DAE-1953F412C126}" type="datetimeFigureOut">
               <a:rPr lang="en-US" dirty="0"/>
-              <a:t>12/5/18</a:t>
+              <a:t>11/30/18</a:t>
             </a:fld>
             <a:endParaRPr lang="en-US" dirty="0"/>
           </a:p>
@@ -8947,7 +8955,7 @@
           <a:noFill/>
           <a:extLst>
             <a:ext uri="{909E8E84-426E-40dd-AFC4-6F175D3DCCD1}">
-              <a14:hiddenFill xmlns:a14="http://schemas.microsoft.com/office/drawing/2010/main" xmlns="">
+              <a14:hiddenFill xmlns="" xmlns:a14="http://schemas.microsoft.com/office/drawing/2010/main">
                 <a:solidFill>
                   <a:srgbClr val="FFFFFF"/>
                 </a:solidFill>
@@ -9021,7 +9029,7 @@
               </a:ln>
               <a:extLst>
                 <a:ext uri="{91240B29-F687-4f45-9708-019B960494DF}">
-                  <a14:hiddenLine xmlns:a14="http://schemas.microsoft.com/office/drawing/2010/main" xmlns="" w="9525">
+                  <a14:hiddenLine xmlns="" xmlns:a14="http://schemas.microsoft.com/office/drawing/2010/main" w="9525">
                     <a:solidFill>
                       <a:srgbClr val="000000"/>
                     </a:solidFill>
@@ -9111,7 +9119,7 @@
               </a:ln>
               <a:extLst>
                 <a:ext uri="{91240B29-F687-4f45-9708-019B960494DF}">
-                  <a14:hiddenLine xmlns:a14="http://schemas.microsoft.com/office/drawing/2010/main" xmlns="" w="9525">
+                  <a14:hiddenLine xmlns="" xmlns:a14="http://schemas.microsoft.com/office/drawing/2010/main" w="9525">
                     <a:solidFill>
                       <a:srgbClr val="000000"/>
                     </a:solidFill>
@@ -9201,7 +9209,7 @@
               </a:ln>
               <a:extLst>
                 <a:ext uri="{91240B29-F687-4f45-9708-019B960494DF}">
-                  <a14:hiddenLine xmlns:a14="http://schemas.microsoft.com/office/drawing/2010/main" xmlns="" w="9525">
+                  <a14:hiddenLine xmlns="" xmlns:a14="http://schemas.microsoft.com/office/drawing/2010/main" w="9525">
                     <a:solidFill>
                       <a:srgbClr val="000000"/>
                     </a:solidFill>
@@ -9263,7 +9271,7 @@
               </a:ln>
               <a:extLst>
                 <a:ext uri="{91240B29-F687-4f45-9708-019B960494DF}">
-                  <a14:hiddenLine xmlns:a14="http://schemas.microsoft.com/office/drawing/2010/main" xmlns="" w="9525">
+                  <a14:hiddenLine xmlns="" xmlns:a14="http://schemas.microsoft.com/office/drawing/2010/main" w="9525">
                     <a:solidFill>
                       <a:srgbClr val="000000"/>
                     </a:solidFill>
@@ -9353,7 +9361,7 @@
               </a:ln>
               <a:extLst>
                 <a:ext uri="{91240B29-F687-4f45-9708-019B960494DF}">
-                  <a14:hiddenLine xmlns:a14="http://schemas.microsoft.com/office/drawing/2010/main" xmlns="" w="9525">
+                  <a14:hiddenLine xmlns="" xmlns:a14="http://schemas.microsoft.com/office/drawing/2010/main" w="9525">
                     <a:solidFill>
                       <a:srgbClr val="000000"/>
                     </a:solidFill>
@@ -9415,7 +9423,7 @@
               </a:ln>
               <a:extLst>
                 <a:ext uri="{91240B29-F687-4f45-9708-019B960494DF}">
-                  <a14:hiddenLine xmlns:a14="http://schemas.microsoft.com/office/drawing/2010/main" xmlns="" w="9525">
+                  <a14:hiddenLine xmlns="" xmlns:a14="http://schemas.microsoft.com/office/drawing/2010/main" w="9525">
                     <a:solidFill>
                       <a:srgbClr val="000000"/>
                     </a:solidFill>
@@ -9477,7 +9485,7 @@
               </a:ln>
               <a:extLst>
                 <a:ext uri="{91240B29-F687-4f45-9708-019B960494DF}">
-                  <a14:hiddenLine xmlns:a14="http://schemas.microsoft.com/office/drawing/2010/main" xmlns="" w="9525">
+                  <a14:hiddenLine xmlns="" xmlns:a14="http://schemas.microsoft.com/office/drawing/2010/main" w="9525">
                     <a:solidFill>
                       <a:srgbClr val="000000"/>
                     </a:solidFill>
@@ -9567,7 +9575,7 @@
               </a:ln>
               <a:extLst>
                 <a:ext uri="{91240B29-F687-4f45-9708-019B960494DF}">
-                  <a14:hiddenLine xmlns:a14="http://schemas.microsoft.com/office/drawing/2010/main" xmlns="" w="9525">
+                  <a14:hiddenLine xmlns="" xmlns:a14="http://schemas.microsoft.com/office/drawing/2010/main" w="9525">
                     <a:solidFill>
                       <a:srgbClr val="000000"/>
                     </a:solidFill>
@@ -9657,7 +9665,7 @@
               </a:ln>
               <a:extLst>
                 <a:ext uri="{91240B29-F687-4f45-9708-019B960494DF}">
-                  <a14:hiddenLine xmlns:a14="http://schemas.microsoft.com/office/drawing/2010/main" xmlns="" w="9525">
+                  <a14:hiddenLine xmlns="" xmlns:a14="http://schemas.microsoft.com/office/drawing/2010/main" w="9525">
                     <a:solidFill>
                       <a:srgbClr val="000000"/>
                     </a:solidFill>
@@ -9719,7 +9727,7 @@
               </a:ln>
               <a:extLst>
                 <a:ext uri="{91240B29-F687-4f45-9708-019B960494DF}">
-                  <a14:hiddenLine xmlns:a14="http://schemas.microsoft.com/office/drawing/2010/main" xmlns="" w="9525">
+                  <a14:hiddenLine xmlns="" xmlns:a14="http://schemas.microsoft.com/office/drawing/2010/main" w="9525">
                     <a:solidFill>
                       <a:srgbClr val="000000"/>
                     </a:solidFill>
@@ -9829,7 +9837,7 @@
               </a:ln>
               <a:extLst>
                 <a:ext uri="{91240B29-F687-4f45-9708-019B960494DF}">
-                  <a14:hiddenLine xmlns:a14="http://schemas.microsoft.com/office/drawing/2010/main" xmlns="" w="9525">
+                  <a14:hiddenLine xmlns="" xmlns:a14="http://schemas.microsoft.com/office/drawing/2010/main" w="9525">
                     <a:solidFill>
                       <a:srgbClr val="000000"/>
                     </a:solidFill>
@@ -9913,7 +9921,7 @@
               </a:ln>
               <a:extLst>
                 <a:ext uri="{91240B29-F687-4f45-9708-019B960494DF}">
-                  <a14:hiddenLine xmlns:a14="http://schemas.microsoft.com/office/drawing/2010/main" xmlns="" w="9525">
+                  <a14:hiddenLine xmlns="" xmlns:a14="http://schemas.microsoft.com/office/drawing/2010/main" w="9525">
                     <a:solidFill>
                       <a:srgbClr val="000000"/>
                     </a:solidFill>
@@ -9975,7 +9983,7 @@
               </a:ln>
               <a:extLst>
                 <a:ext uri="{91240B29-F687-4f45-9708-019B960494DF}">
-                  <a14:hiddenLine xmlns:a14="http://schemas.microsoft.com/office/drawing/2010/main" xmlns="" w="9525">
+                  <a14:hiddenLine xmlns="" xmlns:a14="http://schemas.microsoft.com/office/drawing/2010/main" w="9525">
                     <a:solidFill>
                       <a:srgbClr val="000000"/>
                     </a:solidFill>
@@ -10037,7 +10045,7 @@
               </a:ln>
               <a:extLst>
                 <a:ext uri="{91240B29-F687-4f45-9708-019B960494DF}">
-                  <a14:hiddenLine xmlns:a14="http://schemas.microsoft.com/office/drawing/2010/main" xmlns="" w="9525">
+                  <a14:hiddenLine xmlns="" xmlns:a14="http://schemas.microsoft.com/office/drawing/2010/main" w="9525">
                     <a:solidFill>
                       <a:srgbClr val="000000"/>
                     </a:solidFill>
@@ -10127,7 +10135,7 @@
               </a:ln>
               <a:extLst>
                 <a:ext uri="{91240B29-F687-4f45-9708-019B960494DF}">
-                  <a14:hiddenLine xmlns:a14="http://schemas.microsoft.com/office/drawing/2010/main" xmlns="" w="9525">
+                  <a14:hiddenLine xmlns="" xmlns:a14="http://schemas.microsoft.com/office/drawing/2010/main" w="9525">
                     <a:solidFill>
                       <a:srgbClr val="000000"/>
                     </a:solidFill>
@@ -10161,7 +10169,7 @@
               </a:ln>
               <a:extLst>
                 <a:ext uri="{91240B29-F687-4f45-9708-019B960494DF}">
-                  <a14:hiddenLine xmlns:a14="http://schemas.microsoft.com/office/drawing/2010/main" xmlns="" w="9525">
+                  <a14:hiddenLine xmlns="" xmlns:a14="http://schemas.microsoft.com/office/drawing/2010/main" w="9525">
                     <a:solidFill>
                       <a:srgbClr val="000000"/>
                     </a:solidFill>
@@ -10226,7 +10234,7 @@
               </a:ln>
               <a:extLst>
                 <a:ext uri="{91240B29-F687-4f45-9708-019B960494DF}">
-                  <a14:hiddenLine xmlns:a14="http://schemas.microsoft.com/office/drawing/2010/main" xmlns="" w="9525">
+                  <a14:hiddenLine xmlns="" xmlns:a14="http://schemas.microsoft.com/office/drawing/2010/main" w="9525">
                     <a:solidFill>
                       <a:srgbClr val="000000"/>
                     </a:solidFill>
@@ -10316,7 +10324,7 @@
               </a:ln>
               <a:extLst>
                 <a:ext uri="{91240B29-F687-4f45-9708-019B960494DF}">
-                  <a14:hiddenLine xmlns:a14="http://schemas.microsoft.com/office/drawing/2010/main" xmlns="" w="9525">
+                  <a14:hiddenLine xmlns="" xmlns:a14="http://schemas.microsoft.com/office/drawing/2010/main" w="9525">
                     <a:solidFill>
                       <a:srgbClr val="000000"/>
                     </a:solidFill>
@@ -10378,7 +10386,7 @@
               </a:ln>
               <a:extLst>
                 <a:ext uri="{91240B29-F687-4f45-9708-019B960494DF}">
-                  <a14:hiddenLine xmlns:a14="http://schemas.microsoft.com/office/drawing/2010/main" xmlns="" w="9525">
+                  <a14:hiddenLine xmlns="" xmlns:a14="http://schemas.microsoft.com/office/drawing/2010/main" w="9525">
                     <a:solidFill>
                       <a:srgbClr val="000000"/>
                     </a:solidFill>
@@ -10468,7 +10476,7 @@
               </a:ln>
               <a:extLst>
                 <a:ext uri="{91240B29-F687-4f45-9708-019B960494DF}">
-                  <a14:hiddenLine xmlns:a14="http://schemas.microsoft.com/office/drawing/2010/main" xmlns="" w="9525">
+                  <a14:hiddenLine xmlns="" xmlns:a14="http://schemas.microsoft.com/office/drawing/2010/main" w="9525">
                     <a:solidFill>
                       <a:srgbClr val="000000"/>
                     </a:solidFill>
@@ -10533,7 +10541,7 @@
               </a:ln>
               <a:extLst>
                 <a:ext uri="{91240B29-F687-4f45-9708-019B960494DF}">
-                  <a14:hiddenLine xmlns:a14="http://schemas.microsoft.com/office/drawing/2010/main" xmlns="" w="9525">
+                  <a14:hiddenLine xmlns="" xmlns:a14="http://schemas.microsoft.com/office/drawing/2010/main" w="9525">
                     <a:solidFill>
                       <a:srgbClr val="000000"/>
                     </a:solidFill>
@@ -10595,7 +10603,7 @@
               </a:ln>
               <a:extLst>
                 <a:ext uri="{91240B29-F687-4f45-9708-019B960494DF}">
-                  <a14:hiddenLine xmlns:a14="http://schemas.microsoft.com/office/drawing/2010/main" xmlns="" w="9525">
+                  <a14:hiddenLine xmlns="" xmlns:a14="http://schemas.microsoft.com/office/drawing/2010/main" w="9525">
                     <a:solidFill>
                       <a:srgbClr val="000000"/>
                     </a:solidFill>
@@ -10685,7 +10693,7 @@
               </a:ln>
               <a:extLst>
                 <a:ext uri="{91240B29-F687-4f45-9708-019B960494DF}">
-                  <a14:hiddenLine xmlns:a14="http://schemas.microsoft.com/office/drawing/2010/main" xmlns="" w="9525">
+                  <a14:hiddenLine xmlns="" xmlns:a14="http://schemas.microsoft.com/office/drawing/2010/main" w="9525">
                     <a:solidFill>
                       <a:srgbClr val="000000"/>
                     </a:solidFill>
@@ -10775,7 +10783,7 @@
               </a:ln>
               <a:extLst>
                 <a:ext uri="{91240B29-F687-4f45-9708-019B960494DF}">
-                  <a14:hiddenLine xmlns:a14="http://schemas.microsoft.com/office/drawing/2010/main" xmlns="" w="9525">
+                  <a14:hiddenLine xmlns="" xmlns:a14="http://schemas.microsoft.com/office/drawing/2010/main" w="9525">
                     <a:solidFill>
                       <a:srgbClr val="000000"/>
                     </a:solidFill>
@@ -10840,7 +10848,7 @@
               </a:ln>
               <a:extLst>
                 <a:ext uri="{91240B29-F687-4f45-9708-019B960494DF}">
-                  <a14:hiddenLine xmlns:a14="http://schemas.microsoft.com/office/drawing/2010/main" xmlns="" w="9525">
+                  <a14:hiddenLine xmlns="" xmlns:a14="http://schemas.microsoft.com/office/drawing/2010/main" w="9525">
                     <a:solidFill>
                       <a:srgbClr val="000000"/>
                     </a:solidFill>
@@ -10960,7 +10968,7 @@
               </a:ln>
               <a:extLst>
                 <a:ext uri="{91240B29-F687-4f45-9708-019B960494DF}">
-                  <a14:hiddenLine xmlns:a14="http://schemas.microsoft.com/office/drawing/2010/main" xmlns="" w="9525">
+                  <a14:hiddenLine xmlns="" xmlns:a14="http://schemas.microsoft.com/office/drawing/2010/main" w="9525">
                     <a:solidFill>
                       <a:srgbClr val="000000"/>
                     </a:solidFill>
@@ -11058,7 +11066,7 @@
               </a:ln>
               <a:extLst>
                 <a:ext uri="{91240B29-F687-4f45-9708-019B960494DF}">
-                  <a14:hiddenLine xmlns:a14="http://schemas.microsoft.com/office/drawing/2010/main" xmlns="" w="9525">
+                  <a14:hiddenLine xmlns="" xmlns:a14="http://schemas.microsoft.com/office/drawing/2010/main" w="9525">
                     <a:solidFill>
                       <a:srgbClr val="000000"/>
                     </a:solidFill>
@@ -11173,7 +11181,7 @@
               </a:ln>
               <a:extLst>
                 <a:ext uri="{91240B29-F687-4f45-9708-019B960494DF}">
-                  <a14:hiddenLine xmlns:a14="http://schemas.microsoft.com/office/drawing/2010/main" xmlns="" w="9525">
+                  <a14:hiddenLine xmlns="" xmlns:a14="http://schemas.microsoft.com/office/drawing/2010/main" w="9525">
                     <a:solidFill>
                       <a:srgbClr val="000000"/>
                     </a:solidFill>
@@ -11263,7 +11271,7 @@
               </a:ln>
               <a:extLst>
                 <a:ext uri="{91240B29-F687-4f45-9708-019B960494DF}">
-                  <a14:hiddenLine xmlns:a14="http://schemas.microsoft.com/office/drawing/2010/main" xmlns="" w="9525">
+                  <a14:hiddenLine xmlns="" xmlns:a14="http://schemas.microsoft.com/office/drawing/2010/main" w="9525">
                     <a:solidFill>
                       <a:srgbClr val="000000"/>
                     </a:solidFill>
@@ -11328,7 +11336,7 @@
               </a:ln>
               <a:extLst>
                 <a:ext uri="{91240B29-F687-4f45-9708-019B960494DF}">
-                  <a14:hiddenLine xmlns:a14="http://schemas.microsoft.com/office/drawing/2010/main" xmlns="" w="9525">
+                  <a14:hiddenLine xmlns="" xmlns:a14="http://schemas.microsoft.com/office/drawing/2010/main" w="9525">
                     <a:solidFill>
                       <a:srgbClr val="000000"/>
                     </a:solidFill>
@@ -11418,7 +11426,7 @@
               </a:ln>
               <a:extLst>
                 <a:ext uri="{91240B29-F687-4f45-9708-019B960494DF}">
-                  <a14:hiddenLine xmlns:a14="http://schemas.microsoft.com/office/drawing/2010/main" xmlns="" w="9525">
+                  <a14:hiddenLine xmlns="" xmlns:a14="http://schemas.microsoft.com/office/drawing/2010/main" w="9525">
                     <a:solidFill>
                       <a:srgbClr val="000000"/>
                     </a:solidFill>
@@ -11486,7 +11494,7 @@
               </a:ln>
               <a:extLst>
                 <a:ext uri="{91240B29-F687-4f45-9708-019B960494DF}">
-                  <a14:hiddenLine xmlns:a14="http://schemas.microsoft.com/office/drawing/2010/main" xmlns="" w="9525">
+                  <a14:hiddenLine xmlns="" xmlns:a14="http://schemas.microsoft.com/office/drawing/2010/main" w="9525">
                     <a:solidFill>
                       <a:srgbClr val="000000"/>
                     </a:solidFill>
@@ -11576,7 +11584,7 @@
               </a:ln>
               <a:extLst>
                 <a:ext uri="{91240B29-F687-4f45-9708-019B960494DF}">
-                  <a14:hiddenLine xmlns:a14="http://schemas.microsoft.com/office/drawing/2010/main" xmlns="" w="9525">
+                  <a14:hiddenLine xmlns="" xmlns:a14="http://schemas.microsoft.com/office/drawing/2010/main" w="9525">
                     <a:solidFill>
                       <a:srgbClr val="000000"/>
                     </a:solidFill>
@@ -11644,7 +11652,7 @@
               </a:ln>
               <a:extLst>
                 <a:ext uri="{91240B29-F687-4f45-9708-019B960494DF}">
-                  <a14:hiddenLine xmlns:a14="http://schemas.microsoft.com/office/drawing/2010/main" xmlns="" w="9525">
+                  <a14:hiddenLine xmlns="" xmlns:a14="http://schemas.microsoft.com/office/drawing/2010/main" w="9525">
                     <a:solidFill>
                       <a:srgbClr val="000000"/>
                     </a:solidFill>
@@ -11734,7 +11742,7 @@
               </a:ln>
               <a:extLst>
                 <a:ext uri="{91240B29-F687-4f45-9708-019B960494DF}">
-                  <a14:hiddenLine xmlns:a14="http://schemas.microsoft.com/office/drawing/2010/main" xmlns="" w="9525">
+                  <a14:hiddenLine xmlns="" xmlns:a14="http://schemas.microsoft.com/office/drawing/2010/main" w="9525">
                     <a:solidFill>
                       <a:srgbClr val="000000"/>
                     </a:solidFill>
@@ -11768,7 +11776,7 @@
               </a:ln>
               <a:extLst>
                 <a:ext uri="{91240B29-F687-4f45-9708-019B960494DF}">
-                  <a14:hiddenLine xmlns:a14="http://schemas.microsoft.com/office/drawing/2010/main" xmlns="" w="9525">
+                  <a14:hiddenLine xmlns="" xmlns:a14="http://schemas.microsoft.com/office/drawing/2010/main" w="9525">
                     <a:solidFill>
                       <a:srgbClr val="000000"/>
                     </a:solidFill>
@@ -11885,7 +11893,7 @@
             <a:fld id="{48A87A34-81AB-432B-8DAE-1953F412C126}" type="datetimeFigureOut">
               <a:rPr lang="en-US" dirty="0"/>
               <a:pPr/>
-              <a:t>12/5/18</a:t>
+              <a:t>11/30/18</a:t>
             </a:fld>
             <a:endParaRPr lang="en-US" dirty="0"/>
           </a:p>
@@ -12943,7 +12951,7 @@
         </p:nvSpPr>
         <p:spPr>
           <a:xfrm>
-            <a:off x="9405258" y="2275672"/>
+            <a:off x="9405258" y="2136774"/>
             <a:ext cx="2991316" cy="3541714"/>
           </a:xfrm>
           <a:prstGeom prst="rect">
@@ -13157,6 +13165,9 @@
           </a:p>
           <a:p>
             <a:pPr lvl="1"/>
+            <a:endParaRPr lang="de-DE" dirty="0"/>
+          </a:p>
+          <a:p>
             <a:endParaRPr lang="de-DE" dirty="0"/>
           </a:p>
         </p:txBody>
